--- a/figures/HeatMap.pptx
+++ b/figures/HeatMap.pptx
@@ -5,7 +5,7 @@
     <p:sldMasterId id="2147483648" r:id="rId1"/>
   </p:sldMasterIdLst>
   <p:sldIdLst>
-    <p:sldId id="115183406" r:id="rId6"/>
+    <p:sldId id="762585538" r:id="rId6"/>
   </p:sldIdLst>
   <p:sldSz cx="12192000" cy="6858000"/>
   <p:notesSz cx="6858000" cy="9144000"/>

--- a/figures/HeatMap.pptx
+++ b/figures/HeatMap.pptx
@@ -5,7 +5,7 @@
     <p:sldMasterId id="2147483648" r:id="rId1"/>
   </p:sldMasterIdLst>
   <p:sldIdLst>
-    <p:sldId id="762585538" r:id="rId6"/>
+    <p:sldId id="767005059" r:id="rId6"/>
   </p:sldIdLst>
   <p:sldSz cx="12192000" cy="6858000"/>
   <p:notesSz cx="6858000" cy="9144000"/>
@@ -2850,13 +2850,13 @@
           <p:spPr>
             <a:xfrm>
               <a:off x="1525523" y="2512949"/>
-              <a:ext cx="460248" cy="468175"/>
+              <a:ext cx="414223" cy="401292"/>
             </a:xfrm>
             <a:prstGeom prst="rect">
               <a:avLst/>
             </a:prstGeom>
             <a:solidFill>
-              <a:srgbClr val="FF7272">
+              <a:srgbClr val="FF8F8F">
                 <a:alpha val="100000"/>
               </a:srgbClr>
             </a:solidFill>
@@ -2884,14 +2884,14 @@
           </p:nvSpPr>
           <p:spPr>
             <a:xfrm>
-              <a:off x="1525523" y="2981124"/>
-              <a:ext cx="460248" cy="468175"/>
+              <a:off x="1525523" y="2914241"/>
+              <a:ext cx="414223" cy="401292"/>
             </a:xfrm>
             <a:prstGeom prst="rect">
               <a:avLst/>
             </a:prstGeom>
             <a:solidFill>
-              <a:srgbClr val="FF6C6C">
+              <a:srgbClr val="FF8989">
                 <a:alpha val="100000"/>
               </a:srgbClr>
             </a:solidFill>
@@ -2919,14 +2919,14 @@
           </p:nvSpPr>
           <p:spPr>
             <a:xfrm>
-              <a:off x="1525523" y="3449299"/>
-              <a:ext cx="460248" cy="468175"/>
+              <a:off x="1525523" y="3315534"/>
+              <a:ext cx="414223" cy="401292"/>
             </a:xfrm>
             <a:prstGeom prst="rect">
               <a:avLst/>
             </a:prstGeom>
             <a:solidFill>
-              <a:srgbClr val="FF9090">
+              <a:srgbClr val="FFA8A8">
                 <a:alpha val="100000"/>
               </a:srgbClr>
             </a:solidFill>
@@ -2954,14 +2954,14 @@
           </p:nvSpPr>
           <p:spPr>
             <a:xfrm>
-              <a:off x="1525523" y="3917474"/>
-              <a:ext cx="460248" cy="468174"/>
+              <a:off x="1525523" y="3716827"/>
+              <a:ext cx="414223" cy="401292"/>
             </a:xfrm>
             <a:prstGeom prst="rect">
               <a:avLst/>
             </a:prstGeom>
             <a:solidFill>
-              <a:srgbClr val="FFA2A2">
+              <a:srgbClr val="FFB5B5">
                 <a:alpha val="100000"/>
               </a:srgbClr>
             </a:solidFill>
@@ -2989,8 +2989,8 @@
           </p:nvSpPr>
           <p:spPr>
             <a:xfrm>
-              <a:off x="1525523" y="4385649"/>
-              <a:ext cx="460248" cy="468174"/>
+              <a:off x="1525523" y="4118120"/>
+              <a:ext cx="414223" cy="401292"/>
             </a:xfrm>
             <a:prstGeom prst="rect">
               <a:avLst/>
@@ -3024,8 +3024,8 @@
           </p:nvSpPr>
           <p:spPr>
             <a:xfrm>
-              <a:off x="1525523" y="4853824"/>
-              <a:ext cx="460248" cy="468175"/>
+              <a:off x="1525523" y="4519413"/>
+              <a:ext cx="414223" cy="401292"/>
             </a:xfrm>
             <a:prstGeom prst="rect">
               <a:avLst/>
@@ -3059,148 +3059,8 @@
           </p:nvSpPr>
           <p:spPr>
             <a:xfrm>
-              <a:off x="1985772" y="2512949"/>
-              <a:ext cx="460248" cy="468175"/>
-            </a:xfrm>
-            <a:prstGeom prst="rect">
-              <a:avLst/>
-            </a:prstGeom>
-            <a:solidFill>
-              <a:srgbClr val="FF7C7C">
-                <a:alpha val="100000"/>
-              </a:srgbClr>
-            </a:solidFill>
-            <a:ln w="9525" cap="rnd">
-              <a:solidFill>
-                <a:srgbClr val="000000">
-                  <a:alpha val="100000"/>
-                </a:srgbClr>
-              </a:solidFill>
-              <a:prstDash val="solid"/>
-              <a:round/>
-            </a:ln>
-          </p:spPr>
-          <p:txBody>
-            <a:bodyPr/>
-            <a:lstStyle/>
-            <a:p/>
-          </p:txBody>
-        </p:sp>
-        <p:sp>
-          <p:nvSpPr>
-            <p:cNvPr id="12" name="rc12"/>
-            <p:cNvSpPr/>
-            <p:nvPr/>
-          </p:nvSpPr>
-          <p:spPr>
-            <a:xfrm>
-              <a:off x="1985772" y="2981124"/>
-              <a:ext cx="460248" cy="468175"/>
-            </a:xfrm>
-            <a:prstGeom prst="rect">
-              <a:avLst/>
-            </a:prstGeom>
-            <a:solidFill>
-              <a:srgbClr val="FFAEAE">
-                <a:alpha val="100000"/>
-              </a:srgbClr>
-            </a:solidFill>
-            <a:ln w="9525" cap="rnd">
-              <a:solidFill>
-                <a:srgbClr val="000000">
-                  <a:alpha val="100000"/>
-                </a:srgbClr>
-              </a:solidFill>
-              <a:prstDash val="solid"/>
-              <a:round/>
-            </a:ln>
-          </p:spPr>
-          <p:txBody>
-            <a:bodyPr/>
-            <a:lstStyle/>
-            <a:p/>
-          </p:txBody>
-        </p:sp>
-        <p:sp>
-          <p:nvSpPr>
-            <p:cNvPr id="13" name="rc13"/>
-            <p:cNvSpPr/>
-            <p:nvPr/>
-          </p:nvSpPr>
-          <p:spPr>
-            <a:xfrm>
-              <a:off x="1985772" y="3449299"/>
-              <a:ext cx="460248" cy="468175"/>
-            </a:xfrm>
-            <a:prstGeom prst="rect">
-              <a:avLst/>
-            </a:prstGeom>
-            <a:solidFill>
-              <a:srgbClr val="FFD3D3">
-                <a:alpha val="100000"/>
-              </a:srgbClr>
-            </a:solidFill>
-            <a:ln w="9525" cap="rnd">
-              <a:solidFill>
-                <a:srgbClr val="000000">
-                  <a:alpha val="100000"/>
-                </a:srgbClr>
-              </a:solidFill>
-              <a:prstDash val="solid"/>
-              <a:round/>
-            </a:ln>
-          </p:spPr>
-          <p:txBody>
-            <a:bodyPr/>
-            <a:lstStyle/>
-            <a:p/>
-          </p:txBody>
-        </p:sp>
-        <p:sp>
-          <p:nvSpPr>
-            <p:cNvPr id="14" name="rc14"/>
-            <p:cNvSpPr/>
-            <p:nvPr/>
-          </p:nvSpPr>
-          <p:spPr>
-            <a:xfrm>
-              <a:off x="1985772" y="3917474"/>
-              <a:ext cx="460248" cy="468174"/>
-            </a:xfrm>
-            <a:prstGeom prst="rect">
-              <a:avLst/>
-            </a:prstGeom>
-            <a:solidFill>
-              <a:srgbClr val="FFCECE">
-                <a:alpha val="100000"/>
-              </a:srgbClr>
-            </a:solidFill>
-            <a:ln w="9525" cap="rnd">
-              <a:solidFill>
-                <a:srgbClr val="000000">
-                  <a:alpha val="100000"/>
-                </a:srgbClr>
-              </a:solidFill>
-              <a:prstDash val="solid"/>
-              <a:round/>
-            </a:ln>
-          </p:spPr>
-          <p:txBody>
-            <a:bodyPr/>
-            <a:lstStyle/>
-            <a:p/>
-          </p:txBody>
-        </p:sp>
-        <p:sp>
-          <p:nvSpPr>
-            <p:cNvPr id="15" name="rc15"/>
-            <p:cNvSpPr/>
-            <p:nvPr/>
-          </p:nvSpPr>
-          <p:spPr>
-            <a:xfrm>
-              <a:off x="1985772" y="4385649"/>
-              <a:ext cx="460248" cy="468174"/>
+              <a:off x="1525523" y="4920706"/>
+              <a:ext cx="414223" cy="401292"/>
             </a:xfrm>
             <a:prstGeom prst="rect">
               <a:avLst/>
@@ -3228,14 +3088,154 @@
         </p:sp>
         <p:sp>
           <p:nvSpPr>
+            <p:cNvPr id="12" name="rc12"/>
+            <p:cNvSpPr/>
+            <p:nvPr/>
+          </p:nvSpPr>
+          <p:spPr>
+            <a:xfrm>
+              <a:off x="1939747" y="2512949"/>
+              <a:ext cx="414223" cy="401292"/>
+            </a:xfrm>
+            <a:prstGeom prst="rect">
+              <a:avLst/>
+            </a:prstGeom>
+            <a:solidFill>
+              <a:srgbClr val="FF9696">
+                <a:alpha val="100000"/>
+              </a:srgbClr>
+            </a:solidFill>
+            <a:ln w="9525" cap="rnd">
+              <a:solidFill>
+                <a:srgbClr val="000000">
+                  <a:alpha val="100000"/>
+                </a:srgbClr>
+              </a:solidFill>
+              <a:prstDash val="solid"/>
+              <a:round/>
+            </a:ln>
+          </p:spPr>
+          <p:txBody>
+            <a:bodyPr/>
+            <a:lstStyle/>
+            <a:p/>
+          </p:txBody>
+        </p:sp>
+        <p:sp>
+          <p:nvSpPr>
+            <p:cNvPr id="13" name="rc13"/>
+            <p:cNvSpPr/>
+            <p:nvPr/>
+          </p:nvSpPr>
+          <p:spPr>
+            <a:xfrm>
+              <a:off x="1939747" y="2914241"/>
+              <a:ext cx="414223" cy="401292"/>
+            </a:xfrm>
+            <a:prstGeom prst="rect">
+              <a:avLst/>
+            </a:prstGeom>
+            <a:solidFill>
+              <a:srgbClr val="FFBEBE">
+                <a:alpha val="100000"/>
+              </a:srgbClr>
+            </a:solidFill>
+            <a:ln w="9525" cap="rnd">
+              <a:solidFill>
+                <a:srgbClr val="000000">
+                  <a:alpha val="100000"/>
+                </a:srgbClr>
+              </a:solidFill>
+              <a:prstDash val="solid"/>
+              <a:round/>
+            </a:ln>
+          </p:spPr>
+          <p:txBody>
+            <a:bodyPr/>
+            <a:lstStyle/>
+            <a:p/>
+          </p:txBody>
+        </p:sp>
+        <p:sp>
+          <p:nvSpPr>
+            <p:cNvPr id="14" name="rc14"/>
+            <p:cNvSpPr/>
+            <p:nvPr/>
+          </p:nvSpPr>
+          <p:spPr>
+            <a:xfrm>
+              <a:off x="1939747" y="3315534"/>
+              <a:ext cx="414223" cy="401292"/>
+            </a:xfrm>
+            <a:prstGeom prst="rect">
+              <a:avLst/>
+            </a:prstGeom>
+            <a:solidFill>
+              <a:srgbClr val="FFDCDC">
+                <a:alpha val="100000"/>
+              </a:srgbClr>
+            </a:solidFill>
+            <a:ln w="9525" cap="rnd">
+              <a:solidFill>
+                <a:srgbClr val="000000">
+                  <a:alpha val="100000"/>
+                </a:srgbClr>
+              </a:solidFill>
+              <a:prstDash val="solid"/>
+              <a:round/>
+            </a:ln>
+          </p:spPr>
+          <p:txBody>
+            <a:bodyPr/>
+            <a:lstStyle/>
+            <a:p/>
+          </p:txBody>
+        </p:sp>
+        <p:sp>
+          <p:nvSpPr>
+            <p:cNvPr id="15" name="rc15"/>
+            <p:cNvSpPr/>
+            <p:nvPr/>
+          </p:nvSpPr>
+          <p:spPr>
+            <a:xfrm>
+              <a:off x="1939747" y="3716827"/>
+              <a:ext cx="414223" cy="401292"/>
+            </a:xfrm>
+            <a:prstGeom prst="rect">
+              <a:avLst/>
+            </a:prstGeom>
+            <a:solidFill>
+              <a:srgbClr val="FFD8D8">
+                <a:alpha val="100000"/>
+              </a:srgbClr>
+            </a:solidFill>
+            <a:ln w="9525" cap="rnd">
+              <a:solidFill>
+                <a:srgbClr val="000000">
+                  <a:alpha val="100000"/>
+                </a:srgbClr>
+              </a:solidFill>
+              <a:prstDash val="solid"/>
+              <a:round/>
+            </a:ln>
+          </p:spPr>
+          <p:txBody>
+            <a:bodyPr/>
+            <a:lstStyle/>
+            <a:p/>
+          </p:txBody>
+        </p:sp>
+        <p:sp>
+          <p:nvSpPr>
             <p:cNvPr id="16" name="rc16"/>
             <p:cNvSpPr/>
             <p:nvPr/>
           </p:nvSpPr>
           <p:spPr>
             <a:xfrm>
-              <a:off x="1985772" y="4853824"/>
-              <a:ext cx="460248" cy="468175"/>
+              <a:off x="1939747" y="4118120"/>
+              <a:ext cx="414223" cy="401292"/>
             </a:xfrm>
             <a:prstGeom prst="rect">
               <a:avLst/>
@@ -3269,43 +3269,8 @@
           </p:nvSpPr>
           <p:spPr>
             <a:xfrm>
-              <a:off x="2446020" y="2512949"/>
-              <a:ext cx="460247" cy="468175"/>
-            </a:xfrm>
-            <a:prstGeom prst="rect">
-              <a:avLst/>
-            </a:prstGeom>
-            <a:solidFill>
-              <a:srgbClr val="FFECEC">
-                <a:alpha val="100000"/>
-              </a:srgbClr>
-            </a:solidFill>
-            <a:ln w="9525" cap="rnd">
-              <a:solidFill>
-                <a:srgbClr val="000000">
-                  <a:alpha val="100000"/>
-                </a:srgbClr>
-              </a:solidFill>
-              <a:prstDash val="solid"/>
-              <a:round/>
-            </a:ln>
-          </p:spPr>
-          <p:txBody>
-            <a:bodyPr/>
-            <a:lstStyle/>
-            <a:p/>
-          </p:txBody>
-        </p:sp>
-        <p:sp>
-          <p:nvSpPr>
-            <p:cNvPr id="18" name="rc18"/>
-            <p:cNvSpPr/>
-            <p:nvPr/>
-          </p:nvSpPr>
-          <p:spPr>
-            <a:xfrm>
-              <a:off x="2446020" y="2981124"/>
-              <a:ext cx="460247" cy="468175"/>
+              <a:off x="1939747" y="4519413"/>
+              <a:ext cx="414223" cy="401292"/>
             </a:xfrm>
             <a:prstGeom prst="rect">
               <a:avLst/>
@@ -3333,49 +3298,14 @@
         </p:sp>
         <p:sp>
           <p:nvSpPr>
-            <p:cNvPr id="19" name="rc19"/>
-            <p:cNvSpPr/>
-            <p:nvPr/>
-          </p:nvSpPr>
-          <p:spPr>
-            <a:xfrm>
-              <a:off x="2446020" y="3449299"/>
-              <a:ext cx="460247" cy="468175"/>
-            </a:xfrm>
-            <a:prstGeom prst="rect">
-              <a:avLst/>
-            </a:prstGeom>
-            <a:solidFill>
-              <a:srgbClr val="FFEDED">
-                <a:alpha val="100000"/>
-              </a:srgbClr>
-            </a:solidFill>
-            <a:ln w="9525" cap="rnd">
-              <a:solidFill>
-                <a:srgbClr val="000000">
-                  <a:alpha val="100000"/>
-                </a:srgbClr>
-              </a:solidFill>
-              <a:prstDash val="solid"/>
-              <a:round/>
-            </a:ln>
-          </p:spPr>
-          <p:txBody>
-            <a:bodyPr/>
-            <a:lstStyle/>
-            <a:p/>
-          </p:txBody>
-        </p:sp>
-        <p:sp>
-          <p:nvSpPr>
-            <p:cNvPr id="20" name="rc20"/>
-            <p:cNvSpPr/>
-            <p:nvPr/>
-          </p:nvSpPr>
-          <p:spPr>
-            <a:xfrm>
-              <a:off x="2446020" y="3917474"/>
-              <a:ext cx="460247" cy="468174"/>
+            <p:cNvPr id="18" name="rc18"/>
+            <p:cNvSpPr/>
+            <p:nvPr/>
+          </p:nvSpPr>
+          <p:spPr>
+            <a:xfrm>
+              <a:off x="1939747" y="4920706"/>
+              <a:ext cx="414223" cy="401292"/>
             </a:xfrm>
             <a:prstGeom prst="rect">
               <a:avLst/>
@@ -3403,20 +3333,20 @@
         </p:sp>
         <p:sp>
           <p:nvSpPr>
-            <p:cNvPr id="21" name="rc21"/>
-            <p:cNvSpPr/>
-            <p:nvPr/>
-          </p:nvSpPr>
-          <p:spPr>
-            <a:xfrm>
-              <a:off x="2446020" y="4385649"/>
-              <a:ext cx="460247" cy="468174"/>
+            <p:cNvPr id="19" name="rc19"/>
+            <p:cNvSpPr/>
+            <p:nvPr/>
+          </p:nvSpPr>
+          <p:spPr>
+            <a:xfrm>
+              <a:off x="2353970" y="2512949"/>
+              <a:ext cx="414223" cy="401292"/>
             </a:xfrm>
             <a:prstGeom prst="rect">
               <a:avLst/>
             </a:prstGeom>
             <a:solidFill>
-              <a:srgbClr val="FF9595">
+              <a:srgbClr val="FFF0F0">
                 <a:alpha val="100000"/>
               </a:srgbClr>
             </a:solidFill>
@@ -3438,189 +3368,14 @@
         </p:sp>
         <p:sp>
           <p:nvSpPr>
-            <p:cNvPr id="22" name="rc22"/>
-            <p:cNvSpPr/>
-            <p:nvPr/>
-          </p:nvSpPr>
-          <p:spPr>
-            <a:xfrm>
-              <a:off x="2446020" y="4853824"/>
-              <a:ext cx="460247" cy="468175"/>
-            </a:xfrm>
-            <a:prstGeom prst="rect">
-              <a:avLst/>
-            </a:prstGeom>
-            <a:solidFill>
-              <a:srgbClr val="FFBFBF">
-                <a:alpha val="100000"/>
-              </a:srgbClr>
-            </a:solidFill>
-            <a:ln w="9525" cap="rnd">
-              <a:solidFill>
-                <a:srgbClr val="000000">
-                  <a:alpha val="100000"/>
-                </a:srgbClr>
-              </a:solidFill>
-              <a:prstDash val="solid"/>
-              <a:round/>
-            </a:ln>
-          </p:spPr>
-          <p:txBody>
-            <a:bodyPr/>
-            <a:lstStyle/>
-            <a:p/>
-          </p:txBody>
-        </p:sp>
-        <p:sp>
-          <p:nvSpPr>
-            <p:cNvPr id="23" name="rc23"/>
-            <p:cNvSpPr/>
-            <p:nvPr/>
-          </p:nvSpPr>
-          <p:spPr>
-            <a:xfrm>
-              <a:off x="2906268" y="2512949"/>
-              <a:ext cx="460248" cy="468175"/>
-            </a:xfrm>
-            <a:prstGeom prst="rect">
-              <a:avLst/>
-            </a:prstGeom>
-            <a:solidFill>
-              <a:srgbClr val="FFECEC">
-                <a:alpha val="100000"/>
-              </a:srgbClr>
-            </a:solidFill>
-            <a:ln w="9525" cap="rnd">
-              <a:solidFill>
-                <a:srgbClr val="000000">
-                  <a:alpha val="100000"/>
-                </a:srgbClr>
-              </a:solidFill>
-              <a:prstDash val="solid"/>
-              <a:round/>
-            </a:ln>
-          </p:spPr>
-          <p:txBody>
-            <a:bodyPr/>
-            <a:lstStyle/>
-            <a:p/>
-          </p:txBody>
-        </p:sp>
-        <p:sp>
-          <p:nvSpPr>
-            <p:cNvPr id="24" name="rc24"/>
-            <p:cNvSpPr/>
-            <p:nvPr/>
-          </p:nvSpPr>
-          <p:spPr>
-            <a:xfrm>
-              <a:off x="2906268" y="2981124"/>
-              <a:ext cx="460248" cy="468175"/>
-            </a:xfrm>
-            <a:prstGeom prst="rect">
-              <a:avLst/>
-            </a:prstGeom>
-            <a:solidFill>
-              <a:srgbClr val="FFB8B8">
-                <a:alpha val="100000"/>
-              </a:srgbClr>
-            </a:solidFill>
-            <a:ln w="9525" cap="rnd">
-              <a:solidFill>
-                <a:srgbClr val="000000">
-                  <a:alpha val="100000"/>
-                </a:srgbClr>
-              </a:solidFill>
-              <a:prstDash val="solid"/>
-              <a:round/>
-            </a:ln>
-          </p:spPr>
-          <p:txBody>
-            <a:bodyPr/>
-            <a:lstStyle/>
-            <a:p/>
-          </p:txBody>
-        </p:sp>
-        <p:sp>
-          <p:nvSpPr>
-            <p:cNvPr id="25" name="rc25"/>
-            <p:cNvSpPr/>
-            <p:nvPr/>
-          </p:nvSpPr>
-          <p:spPr>
-            <a:xfrm>
-              <a:off x="2906268" y="3449299"/>
-              <a:ext cx="460248" cy="468175"/>
-            </a:xfrm>
-            <a:prstGeom prst="rect">
-              <a:avLst/>
-            </a:prstGeom>
-            <a:solidFill>
-              <a:srgbClr val="FFABAB">
-                <a:alpha val="100000"/>
-              </a:srgbClr>
-            </a:solidFill>
-            <a:ln w="9525" cap="rnd">
-              <a:solidFill>
-                <a:srgbClr val="000000">
-                  <a:alpha val="100000"/>
-                </a:srgbClr>
-              </a:solidFill>
-              <a:prstDash val="solid"/>
-              <a:round/>
-            </a:ln>
-          </p:spPr>
-          <p:txBody>
-            <a:bodyPr/>
-            <a:lstStyle/>
-            <a:p/>
-          </p:txBody>
-        </p:sp>
-        <p:sp>
-          <p:nvSpPr>
-            <p:cNvPr id="26" name="rc26"/>
-            <p:cNvSpPr/>
-            <p:nvPr/>
-          </p:nvSpPr>
-          <p:spPr>
-            <a:xfrm>
-              <a:off x="2906268" y="3917474"/>
-              <a:ext cx="460248" cy="468174"/>
-            </a:xfrm>
-            <a:prstGeom prst="rect">
-              <a:avLst/>
-            </a:prstGeom>
-            <a:solidFill>
-              <a:srgbClr val="FF6363">
-                <a:alpha val="100000"/>
-              </a:srgbClr>
-            </a:solidFill>
-            <a:ln w="9525" cap="rnd">
-              <a:solidFill>
-                <a:srgbClr val="000000">
-                  <a:alpha val="100000"/>
-                </a:srgbClr>
-              </a:solidFill>
-              <a:prstDash val="solid"/>
-              <a:round/>
-            </a:ln>
-          </p:spPr>
-          <p:txBody>
-            <a:bodyPr/>
-            <a:lstStyle/>
-            <a:p/>
-          </p:txBody>
-        </p:sp>
-        <p:sp>
-          <p:nvSpPr>
-            <p:cNvPr id="27" name="rc27"/>
-            <p:cNvSpPr/>
-            <p:nvPr/>
-          </p:nvSpPr>
-          <p:spPr>
-            <a:xfrm>
-              <a:off x="2906268" y="4385649"/>
-              <a:ext cx="460248" cy="468174"/>
+            <p:cNvPr id="20" name="rc20"/>
+            <p:cNvSpPr/>
+            <p:nvPr/>
+          </p:nvSpPr>
+          <p:spPr>
+            <a:xfrm>
+              <a:off x="2353970" y="2914241"/>
+              <a:ext cx="414223" cy="401292"/>
             </a:xfrm>
             <a:prstGeom prst="rect">
               <a:avLst/>
@@ -3648,14 +3403,49 @@
         </p:sp>
         <p:sp>
           <p:nvSpPr>
-            <p:cNvPr id="28" name="rc28"/>
-            <p:cNvSpPr/>
-            <p:nvPr/>
-          </p:nvSpPr>
-          <p:spPr>
-            <a:xfrm>
-              <a:off x="2906268" y="4853824"/>
-              <a:ext cx="460248" cy="468175"/>
+            <p:cNvPr id="21" name="rc21"/>
+            <p:cNvSpPr/>
+            <p:nvPr/>
+          </p:nvSpPr>
+          <p:spPr>
+            <a:xfrm>
+              <a:off x="2353970" y="3315534"/>
+              <a:ext cx="414223" cy="401292"/>
+            </a:xfrm>
+            <a:prstGeom prst="rect">
+              <a:avLst/>
+            </a:prstGeom>
+            <a:solidFill>
+              <a:srgbClr val="FFEEEE">
+                <a:alpha val="100000"/>
+              </a:srgbClr>
+            </a:solidFill>
+            <a:ln w="9525" cap="rnd">
+              <a:solidFill>
+                <a:srgbClr val="000000">
+                  <a:alpha val="100000"/>
+                </a:srgbClr>
+              </a:solidFill>
+              <a:prstDash val="solid"/>
+              <a:round/>
+            </a:ln>
+          </p:spPr>
+          <p:txBody>
+            <a:bodyPr/>
+            <a:lstStyle/>
+            <a:p/>
+          </p:txBody>
+        </p:sp>
+        <p:sp>
+          <p:nvSpPr>
+            <p:cNvPr id="22" name="rc22"/>
+            <p:cNvSpPr/>
+            <p:nvPr/>
+          </p:nvSpPr>
+          <p:spPr>
+            <a:xfrm>
+              <a:off x="2353970" y="3716827"/>
+              <a:ext cx="414223" cy="401292"/>
             </a:xfrm>
             <a:prstGeom prst="rect">
               <a:avLst/>
@@ -3683,20 +3473,20 @@
         </p:sp>
         <p:sp>
           <p:nvSpPr>
-            <p:cNvPr id="29" name="rc29"/>
-            <p:cNvSpPr/>
-            <p:nvPr/>
-          </p:nvSpPr>
-          <p:spPr>
-            <a:xfrm>
-              <a:off x="3366516" y="2512949"/>
-              <a:ext cx="460248" cy="468175"/>
+            <p:cNvPr id="23" name="rc23"/>
+            <p:cNvSpPr/>
+            <p:nvPr/>
+          </p:nvSpPr>
+          <p:spPr>
+            <a:xfrm>
+              <a:off x="2353970" y="4118120"/>
+              <a:ext cx="414223" cy="401292"/>
             </a:xfrm>
             <a:prstGeom prst="rect">
               <a:avLst/>
             </a:prstGeom>
             <a:solidFill>
-              <a:srgbClr val="FFF6F6">
+              <a:srgbClr val="FFAAAA">
                 <a:alpha val="100000"/>
               </a:srgbClr>
             </a:solidFill>
@@ -3718,20 +3508,20 @@
         </p:sp>
         <p:sp>
           <p:nvSpPr>
-            <p:cNvPr id="30" name="rc30"/>
-            <p:cNvSpPr/>
-            <p:nvPr/>
-          </p:nvSpPr>
-          <p:spPr>
-            <a:xfrm>
-              <a:off x="3366516" y="2981124"/>
-              <a:ext cx="460248" cy="468175"/>
+            <p:cNvPr id="24" name="rc24"/>
+            <p:cNvSpPr/>
+            <p:nvPr/>
+          </p:nvSpPr>
+          <p:spPr>
+            <a:xfrm>
+              <a:off x="2353970" y="4519413"/>
+              <a:ext cx="414223" cy="401292"/>
             </a:xfrm>
             <a:prstGeom prst="rect">
               <a:avLst/>
             </a:prstGeom>
             <a:solidFill>
-              <a:srgbClr val="FFECEC">
+              <a:srgbClr val="FFCCCC">
                 <a:alpha val="100000"/>
               </a:srgbClr>
             </a:solidFill>
@@ -3753,84 +3543,14 @@
         </p:sp>
         <p:sp>
           <p:nvSpPr>
-            <p:cNvPr id="31" name="rc31"/>
-            <p:cNvSpPr/>
-            <p:nvPr/>
-          </p:nvSpPr>
-          <p:spPr>
-            <a:xfrm>
-              <a:off x="3366516" y="3449299"/>
-              <a:ext cx="460248" cy="468175"/>
-            </a:xfrm>
-            <a:prstGeom prst="rect">
-              <a:avLst/>
-            </a:prstGeom>
-            <a:solidFill>
-              <a:srgbClr val="FFE4E4">
-                <a:alpha val="100000"/>
-              </a:srgbClr>
-            </a:solidFill>
-            <a:ln w="9525" cap="rnd">
-              <a:solidFill>
-                <a:srgbClr val="000000">
-                  <a:alpha val="100000"/>
-                </a:srgbClr>
-              </a:solidFill>
-              <a:prstDash val="solid"/>
-              <a:round/>
-            </a:ln>
-          </p:spPr>
-          <p:txBody>
-            <a:bodyPr/>
-            <a:lstStyle/>
-            <a:p/>
-          </p:txBody>
-        </p:sp>
-        <p:sp>
-          <p:nvSpPr>
-            <p:cNvPr id="32" name="rc32"/>
-            <p:cNvSpPr/>
-            <p:nvPr/>
-          </p:nvSpPr>
-          <p:spPr>
-            <a:xfrm>
-              <a:off x="3366516" y="3917474"/>
-              <a:ext cx="460248" cy="468174"/>
-            </a:xfrm>
-            <a:prstGeom prst="rect">
-              <a:avLst/>
-            </a:prstGeom>
-            <a:solidFill>
-              <a:srgbClr val="FFF1F1">
-                <a:alpha val="100000"/>
-              </a:srgbClr>
-            </a:solidFill>
-            <a:ln w="9525" cap="rnd">
-              <a:solidFill>
-                <a:srgbClr val="000000">
-                  <a:alpha val="100000"/>
-                </a:srgbClr>
-              </a:solidFill>
-              <a:prstDash val="solid"/>
-              <a:round/>
-            </a:ln>
-          </p:spPr>
-          <p:txBody>
-            <a:bodyPr/>
-            <a:lstStyle/>
-            <a:p/>
-          </p:txBody>
-        </p:sp>
-        <p:sp>
-          <p:nvSpPr>
-            <p:cNvPr id="33" name="rc33"/>
-            <p:cNvSpPr/>
-            <p:nvPr/>
-          </p:nvSpPr>
-          <p:spPr>
-            <a:xfrm>
-              <a:off x="3366516" y="4385649"/>
-              <a:ext cx="460248" cy="468174"/>
+            <p:cNvPr id="25" name="rc25"/>
+            <p:cNvSpPr/>
+            <p:nvPr/>
+          </p:nvSpPr>
+          <p:spPr>
+            <a:xfrm>
+              <a:off x="2353970" y="4920706"/>
+              <a:ext cx="414223" cy="401292"/>
             </a:xfrm>
             <a:prstGeom prst="rect">
               <a:avLst/>
@@ -3858,14 +3578,154 @@
         </p:sp>
         <p:sp>
           <p:nvSpPr>
-            <p:cNvPr id="34" name="rc34"/>
-            <p:cNvSpPr/>
-            <p:nvPr/>
-          </p:nvSpPr>
-          <p:spPr>
-            <a:xfrm>
-              <a:off x="3366516" y="4853824"/>
-              <a:ext cx="460248" cy="468175"/>
+            <p:cNvPr id="26" name="rc26"/>
+            <p:cNvSpPr/>
+            <p:nvPr/>
+          </p:nvSpPr>
+          <p:spPr>
+            <a:xfrm>
+              <a:off x="2768193" y="2512949"/>
+              <a:ext cx="414223" cy="401292"/>
+            </a:xfrm>
+            <a:prstGeom prst="rect">
+              <a:avLst/>
+            </a:prstGeom>
+            <a:solidFill>
+              <a:srgbClr val="FFF0F0">
+                <a:alpha val="100000"/>
+              </a:srgbClr>
+            </a:solidFill>
+            <a:ln w="9525" cap="rnd">
+              <a:solidFill>
+                <a:srgbClr val="000000">
+                  <a:alpha val="100000"/>
+                </a:srgbClr>
+              </a:solidFill>
+              <a:prstDash val="solid"/>
+              <a:round/>
+            </a:ln>
+          </p:spPr>
+          <p:txBody>
+            <a:bodyPr/>
+            <a:lstStyle/>
+            <a:p/>
+          </p:txBody>
+        </p:sp>
+        <p:sp>
+          <p:nvSpPr>
+            <p:cNvPr id="27" name="rc27"/>
+            <p:cNvSpPr/>
+            <p:nvPr/>
+          </p:nvSpPr>
+          <p:spPr>
+            <a:xfrm>
+              <a:off x="2768193" y="2914241"/>
+              <a:ext cx="414223" cy="401292"/>
+            </a:xfrm>
+            <a:prstGeom prst="rect">
+              <a:avLst/>
+            </a:prstGeom>
+            <a:solidFill>
+              <a:srgbClr val="FFC6C6">
+                <a:alpha val="100000"/>
+              </a:srgbClr>
+            </a:solidFill>
+            <a:ln w="9525" cap="rnd">
+              <a:solidFill>
+                <a:srgbClr val="000000">
+                  <a:alpha val="100000"/>
+                </a:srgbClr>
+              </a:solidFill>
+              <a:prstDash val="solid"/>
+              <a:round/>
+            </a:ln>
+          </p:spPr>
+          <p:txBody>
+            <a:bodyPr/>
+            <a:lstStyle/>
+            <a:p/>
+          </p:txBody>
+        </p:sp>
+        <p:sp>
+          <p:nvSpPr>
+            <p:cNvPr id="28" name="rc28"/>
+            <p:cNvSpPr/>
+            <p:nvPr/>
+          </p:nvSpPr>
+          <p:spPr>
+            <a:xfrm>
+              <a:off x="2768193" y="3315534"/>
+              <a:ext cx="414223" cy="401292"/>
+            </a:xfrm>
+            <a:prstGeom prst="rect">
+              <a:avLst/>
+            </a:prstGeom>
+            <a:solidFill>
+              <a:srgbClr val="FFBDBD">
+                <a:alpha val="100000"/>
+              </a:srgbClr>
+            </a:solidFill>
+            <a:ln w="9525" cap="rnd">
+              <a:solidFill>
+                <a:srgbClr val="000000">
+                  <a:alpha val="100000"/>
+                </a:srgbClr>
+              </a:solidFill>
+              <a:prstDash val="solid"/>
+              <a:round/>
+            </a:ln>
+          </p:spPr>
+          <p:txBody>
+            <a:bodyPr/>
+            <a:lstStyle/>
+            <a:p/>
+          </p:txBody>
+        </p:sp>
+        <p:sp>
+          <p:nvSpPr>
+            <p:cNvPr id="29" name="rc29"/>
+            <p:cNvSpPr/>
+            <p:nvPr/>
+          </p:nvSpPr>
+          <p:spPr>
+            <a:xfrm>
+              <a:off x="2768193" y="3716827"/>
+              <a:ext cx="414223" cy="401292"/>
+            </a:xfrm>
+            <a:prstGeom prst="rect">
+              <a:avLst/>
+            </a:prstGeom>
+            <a:solidFill>
+              <a:srgbClr val="FF8686">
+                <a:alpha val="100000"/>
+              </a:srgbClr>
+            </a:solidFill>
+            <a:ln w="9525" cap="rnd">
+              <a:solidFill>
+                <a:srgbClr val="000000">
+                  <a:alpha val="100000"/>
+                </a:srgbClr>
+              </a:solidFill>
+              <a:prstDash val="solid"/>
+              <a:round/>
+            </a:ln>
+          </p:spPr>
+          <p:txBody>
+            <a:bodyPr/>
+            <a:lstStyle/>
+            <a:p/>
+          </p:txBody>
+        </p:sp>
+        <p:sp>
+          <p:nvSpPr>
+            <p:cNvPr id="30" name="rc30"/>
+            <p:cNvSpPr/>
+            <p:nvPr/>
+          </p:nvSpPr>
+          <p:spPr>
+            <a:xfrm>
+              <a:off x="2768193" y="4118120"/>
+              <a:ext cx="414223" cy="401292"/>
             </a:xfrm>
             <a:prstGeom prst="rect">
               <a:avLst/>
@@ -3893,14 +3753,14 @@
         </p:sp>
         <p:sp>
           <p:nvSpPr>
-            <p:cNvPr id="35" name="rc35"/>
-            <p:cNvSpPr/>
-            <p:nvPr/>
-          </p:nvSpPr>
-          <p:spPr>
-            <a:xfrm>
-              <a:off x="3826764" y="2512949"/>
-              <a:ext cx="460247" cy="468175"/>
+            <p:cNvPr id="31" name="rc31"/>
+            <p:cNvSpPr/>
+            <p:nvPr/>
+          </p:nvSpPr>
+          <p:spPr>
+            <a:xfrm>
+              <a:off x="2768193" y="4519413"/>
+              <a:ext cx="414223" cy="401292"/>
             </a:xfrm>
             <a:prstGeom prst="rect">
               <a:avLst/>
@@ -3928,14 +3788,14 @@
         </p:sp>
         <p:sp>
           <p:nvSpPr>
-            <p:cNvPr id="36" name="rc36"/>
-            <p:cNvSpPr/>
-            <p:nvPr/>
-          </p:nvSpPr>
-          <p:spPr>
-            <a:xfrm>
-              <a:off x="3826764" y="2981124"/>
-              <a:ext cx="460247" cy="468175"/>
+            <p:cNvPr id="32" name="rc32"/>
+            <p:cNvSpPr/>
+            <p:nvPr/>
+          </p:nvSpPr>
+          <p:spPr>
+            <a:xfrm>
+              <a:off x="2768193" y="4920706"/>
+              <a:ext cx="414223" cy="401292"/>
             </a:xfrm>
             <a:prstGeom prst="rect">
               <a:avLst/>
@@ -3963,20 +3823,20 @@
         </p:sp>
         <p:sp>
           <p:nvSpPr>
-            <p:cNvPr id="37" name="rc37"/>
-            <p:cNvSpPr/>
-            <p:nvPr/>
-          </p:nvSpPr>
-          <p:spPr>
-            <a:xfrm>
-              <a:off x="3826764" y="3449299"/>
-              <a:ext cx="460247" cy="468175"/>
+            <p:cNvPr id="33" name="rc33"/>
+            <p:cNvSpPr/>
+            <p:nvPr/>
+          </p:nvSpPr>
+          <p:spPr>
+            <a:xfrm>
+              <a:off x="3182416" y="2512949"/>
+              <a:ext cx="414223" cy="401292"/>
             </a:xfrm>
             <a:prstGeom prst="rect">
               <a:avLst/>
             </a:prstGeom>
             <a:solidFill>
-              <a:srgbClr val="FFE0E0">
+              <a:srgbClr val="FFF8F8">
                 <a:alpha val="100000"/>
               </a:srgbClr>
             </a:solidFill>
@@ -3998,14 +3858,119 @@
         </p:sp>
         <p:sp>
           <p:nvSpPr>
-            <p:cNvPr id="38" name="rc38"/>
-            <p:cNvSpPr/>
-            <p:nvPr/>
-          </p:nvSpPr>
-          <p:spPr>
-            <a:xfrm>
-              <a:off x="3826764" y="3917474"/>
-              <a:ext cx="460247" cy="468174"/>
+            <p:cNvPr id="34" name="rc34"/>
+            <p:cNvSpPr/>
+            <p:nvPr/>
+          </p:nvSpPr>
+          <p:spPr>
+            <a:xfrm>
+              <a:off x="3182416" y="2914241"/>
+              <a:ext cx="414223" cy="401292"/>
+            </a:xfrm>
+            <a:prstGeom prst="rect">
+              <a:avLst/>
+            </a:prstGeom>
+            <a:solidFill>
+              <a:srgbClr val="FFF0F0">
+                <a:alpha val="100000"/>
+              </a:srgbClr>
+            </a:solidFill>
+            <a:ln w="9525" cap="rnd">
+              <a:solidFill>
+                <a:srgbClr val="000000">
+                  <a:alpha val="100000"/>
+                </a:srgbClr>
+              </a:solidFill>
+              <a:prstDash val="solid"/>
+              <a:round/>
+            </a:ln>
+          </p:spPr>
+          <p:txBody>
+            <a:bodyPr/>
+            <a:lstStyle/>
+            <a:p/>
+          </p:txBody>
+        </p:sp>
+        <p:sp>
+          <p:nvSpPr>
+            <p:cNvPr id="35" name="rc35"/>
+            <p:cNvSpPr/>
+            <p:nvPr/>
+          </p:nvSpPr>
+          <p:spPr>
+            <a:xfrm>
+              <a:off x="3182416" y="3315534"/>
+              <a:ext cx="414223" cy="401292"/>
+            </a:xfrm>
+            <a:prstGeom prst="rect">
+              <a:avLst/>
+            </a:prstGeom>
+            <a:solidFill>
+              <a:srgbClr val="FFEAEA">
+                <a:alpha val="100000"/>
+              </a:srgbClr>
+            </a:solidFill>
+            <a:ln w="9525" cap="rnd">
+              <a:solidFill>
+                <a:srgbClr val="000000">
+                  <a:alpha val="100000"/>
+                </a:srgbClr>
+              </a:solidFill>
+              <a:prstDash val="solid"/>
+              <a:round/>
+            </a:ln>
+          </p:spPr>
+          <p:txBody>
+            <a:bodyPr/>
+            <a:lstStyle/>
+            <a:p/>
+          </p:txBody>
+        </p:sp>
+        <p:sp>
+          <p:nvSpPr>
+            <p:cNvPr id="36" name="rc36"/>
+            <p:cNvSpPr/>
+            <p:nvPr/>
+          </p:nvSpPr>
+          <p:spPr>
+            <a:xfrm>
+              <a:off x="3182416" y="3716827"/>
+              <a:ext cx="414223" cy="401292"/>
+            </a:xfrm>
+            <a:prstGeom prst="rect">
+              <a:avLst/>
+            </a:prstGeom>
+            <a:solidFill>
+              <a:srgbClr val="FFEFEF">
+                <a:alpha val="100000"/>
+              </a:srgbClr>
+            </a:solidFill>
+            <a:ln w="9525" cap="rnd">
+              <a:solidFill>
+                <a:srgbClr val="000000">
+                  <a:alpha val="100000"/>
+                </a:srgbClr>
+              </a:solidFill>
+              <a:prstDash val="solid"/>
+              <a:round/>
+            </a:ln>
+          </p:spPr>
+          <p:txBody>
+            <a:bodyPr/>
+            <a:lstStyle/>
+            <a:p/>
+          </p:txBody>
+        </p:sp>
+        <p:sp>
+          <p:nvSpPr>
+            <p:cNvPr id="37" name="rc37"/>
+            <p:cNvSpPr/>
+            <p:nvPr/>
+          </p:nvSpPr>
+          <p:spPr>
+            <a:xfrm>
+              <a:off x="3182416" y="4118120"/>
+              <a:ext cx="414223" cy="401292"/>
             </a:xfrm>
             <a:prstGeom prst="rect">
               <a:avLst/>
@@ -4033,14 +3998,14 @@
         </p:sp>
         <p:sp>
           <p:nvSpPr>
-            <p:cNvPr id="39" name="rc39"/>
-            <p:cNvSpPr/>
-            <p:nvPr/>
-          </p:nvSpPr>
-          <p:spPr>
-            <a:xfrm>
-              <a:off x="3826764" y="4385649"/>
-              <a:ext cx="460247" cy="468174"/>
+            <p:cNvPr id="38" name="rc38"/>
+            <p:cNvSpPr/>
+            <p:nvPr/>
+          </p:nvSpPr>
+          <p:spPr>
+            <a:xfrm>
+              <a:off x="3182416" y="4519413"/>
+              <a:ext cx="414223" cy="401292"/>
             </a:xfrm>
             <a:prstGeom prst="rect">
               <a:avLst/>
@@ -4068,14 +4033,14 @@
         </p:sp>
         <p:sp>
           <p:nvSpPr>
-            <p:cNvPr id="40" name="rc40"/>
-            <p:cNvSpPr/>
-            <p:nvPr/>
-          </p:nvSpPr>
-          <p:spPr>
-            <a:xfrm>
-              <a:off x="3826764" y="4853824"/>
-              <a:ext cx="460247" cy="468175"/>
+            <p:cNvPr id="39" name="rc39"/>
+            <p:cNvSpPr/>
+            <p:nvPr/>
+          </p:nvSpPr>
+          <p:spPr>
+            <a:xfrm>
+              <a:off x="3182416" y="4920706"/>
+              <a:ext cx="414223" cy="401292"/>
             </a:xfrm>
             <a:prstGeom prst="rect">
               <a:avLst/>
@@ -4103,14 +4068,14 @@
         </p:sp>
         <p:sp>
           <p:nvSpPr>
-            <p:cNvPr id="41" name="rc41"/>
-            <p:cNvSpPr/>
-            <p:nvPr/>
-          </p:nvSpPr>
-          <p:spPr>
-            <a:xfrm>
-              <a:off x="4287012" y="2512949"/>
-              <a:ext cx="460248" cy="468175"/>
+            <p:cNvPr id="40" name="rc40"/>
+            <p:cNvSpPr/>
+            <p:nvPr/>
+          </p:nvSpPr>
+          <p:spPr>
+            <a:xfrm>
+              <a:off x="3596640" y="2512949"/>
+              <a:ext cx="414223" cy="401292"/>
             </a:xfrm>
             <a:prstGeom prst="rect">
               <a:avLst/>
@@ -4138,14 +4103,14 @@
         </p:sp>
         <p:sp>
           <p:nvSpPr>
-            <p:cNvPr id="42" name="rc42"/>
-            <p:cNvSpPr/>
-            <p:nvPr/>
-          </p:nvSpPr>
-          <p:spPr>
-            <a:xfrm>
-              <a:off x="4287012" y="2981124"/>
-              <a:ext cx="460248" cy="468175"/>
+            <p:cNvPr id="41" name="rc41"/>
+            <p:cNvSpPr/>
+            <p:nvPr/>
+          </p:nvSpPr>
+          <p:spPr>
+            <a:xfrm>
+              <a:off x="3596640" y="2914241"/>
+              <a:ext cx="414223" cy="401292"/>
             </a:xfrm>
             <a:prstGeom prst="rect">
               <a:avLst/>
@@ -4173,20 +4138,20 @@
         </p:sp>
         <p:sp>
           <p:nvSpPr>
-            <p:cNvPr id="43" name="rc43"/>
-            <p:cNvSpPr/>
-            <p:nvPr/>
-          </p:nvSpPr>
-          <p:spPr>
-            <a:xfrm>
-              <a:off x="4287012" y="3449299"/>
-              <a:ext cx="460248" cy="468175"/>
+            <p:cNvPr id="42" name="rc42"/>
+            <p:cNvSpPr/>
+            <p:nvPr/>
+          </p:nvSpPr>
+          <p:spPr>
+            <a:xfrm>
+              <a:off x="3596640" y="3315534"/>
+              <a:ext cx="414223" cy="401292"/>
             </a:xfrm>
             <a:prstGeom prst="rect">
               <a:avLst/>
             </a:prstGeom>
             <a:solidFill>
-              <a:srgbClr val="FFFBFB">
+              <a:srgbClr val="FFE7E7">
                 <a:alpha val="100000"/>
               </a:srgbClr>
             </a:solidFill>
@@ -4208,14 +4173,14 @@
         </p:sp>
         <p:sp>
           <p:nvSpPr>
-            <p:cNvPr id="44" name="rc44"/>
-            <p:cNvSpPr/>
-            <p:nvPr/>
-          </p:nvSpPr>
-          <p:spPr>
-            <a:xfrm>
-              <a:off x="4287012" y="3917474"/>
-              <a:ext cx="460248" cy="468174"/>
+            <p:cNvPr id="43" name="rc43"/>
+            <p:cNvSpPr/>
+            <p:nvPr/>
+          </p:nvSpPr>
+          <p:spPr>
+            <a:xfrm>
+              <a:off x="3596640" y="3716827"/>
+              <a:ext cx="414223" cy="401292"/>
             </a:xfrm>
             <a:prstGeom prst="rect">
               <a:avLst/>
@@ -4243,49 +4208,14 @@
         </p:sp>
         <p:sp>
           <p:nvSpPr>
-            <p:cNvPr id="45" name="rc45"/>
-            <p:cNvSpPr/>
-            <p:nvPr/>
-          </p:nvSpPr>
-          <p:spPr>
-            <a:xfrm>
-              <a:off x="4287012" y="4385649"/>
-              <a:ext cx="460248" cy="468174"/>
-            </a:xfrm>
-            <a:prstGeom prst="rect">
-              <a:avLst/>
-            </a:prstGeom>
-            <a:solidFill>
-              <a:srgbClr val="FF9595">
-                <a:alpha val="100000"/>
-              </a:srgbClr>
-            </a:solidFill>
-            <a:ln w="9525" cap="rnd">
-              <a:solidFill>
-                <a:srgbClr val="000000">
-                  <a:alpha val="100000"/>
-                </a:srgbClr>
-              </a:solidFill>
-              <a:prstDash val="solid"/>
-              <a:round/>
-            </a:ln>
-          </p:spPr>
-          <p:txBody>
-            <a:bodyPr/>
-            <a:lstStyle/>
-            <a:p/>
-          </p:txBody>
-        </p:sp>
-        <p:sp>
-          <p:nvSpPr>
-            <p:cNvPr id="46" name="rc46"/>
-            <p:cNvSpPr/>
-            <p:nvPr/>
-          </p:nvSpPr>
-          <p:spPr>
-            <a:xfrm>
-              <a:off x="4287012" y="4853824"/>
-              <a:ext cx="460248" cy="468175"/>
+            <p:cNvPr id="44" name="rc44"/>
+            <p:cNvSpPr/>
+            <p:nvPr/>
+          </p:nvSpPr>
+          <p:spPr>
+            <a:xfrm>
+              <a:off x="3596640" y="4118120"/>
+              <a:ext cx="414223" cy="401292"/>
             </a:xfrm>
             <a:prstGeom prst="rect">
               <a:avLst/>
@@ -4313,14 +4243,14 @@
         </p:sp>
         <p:sp>
           <p:nvSpPr>
-            <p:cNvPr id="47" name="rc47"/>
-            <p:cNvSpPr/>
-            <p:nvPr/>
-          </p:nvSpPr>
-          <p:spPr>
-            <a:xfrm>
-              <a:off x="4747260" y="2512949"/>
-              <a:ext cx="460248" cy="468175"/>
+            <p:cNvPr id="45" name="rc45"/>
+            <p:cNvSpPr/>
+            <p:nvPr/>
+          </p:nvSpPr>
+          <p:spPr>
+            <a:xfrm>
+              <a:off x="3596640" y="4519413"/>
+              <a:ext cx="414223" cy="401292"/>
             </a:xfrm>
             <a:prstGeom prst="rect">
               <a:avLst/>
@@ -4348,14 +4278,14 @@
         </p:sp>
         <p:sp>
           <p:nvSpPr>
-            <p:cNvPr id="48" name="rc48"/>
-            <p:cNvSpPr/>
-            <p:nvPr/>
-          </p:nvSpPr>
-          <p:spPr>
-            <a:xfrm>
-              <a:off x="4747260" y="2981124"/>
-              <a:ext cx="460248" cy="468175"/>
+            <p:cNvPr id="46" name="rc46"/>
+            <p:cNvSpPr/>
+            <p:nvPr/>
+          </p:nvSpPr>
+          <p:spPr>
+            <a:xfrm>
+              <a:off x="3596640" y="4920706"/>
+              <a:ext cx="414223" cy="401292"/>
             </a:xfrm>
             <a:prstGeom prst="rect">
               <a:avLst/>
@@ -4383,14 +4313,14 @@
         </p:sp>
         <p:sp>
           <p:nvSpPr>
-            <p:cNvPr id="49" name="rc49"/>
-            <p:cNvSpPr/>
-            <p:nvPr/>
-          </p:nvSpPr>
-          <p:spPr>
-            <a:xfrm>
-              <a:off x="4747260" y="3449299"/>
-              <a:ext cx="460248" cy="468175"/>
+            <p:cNvPr id="47" name="rc47"/>
+            <p:cNvSpPr/>
+            <p:nvPr/>
+          </p:nvSpPr>
+          <p:spPr>
+            <a:xfrm>
+              <a:off x="4010863" y="2512949"/>
+              <a:ext cx="414223" cy="401292"/>
             </a:xfrm>
             <a:prstGeom prst="rect">
               <a:avLst/>
@@ -4418,84 +4348,14 @@
         </p:sp>
         <p:sp>
           <p:nvSpPr>
-            <p:cNvPr id="50" name="rc50"/>
-            <p:cNvSpPr/>
-            <p:nvPr/>
-          </p:nvSpPr>
-          <p:spPr>
-            <a:xfrm>
-              <a:off x="4747260" y="3917474"/>
-              <a:ext cx="460248" cy="468174"/>
-            </a:xfrm>
-            <a:prstGeom prst="rect">
-              <a:avLst/>
-            </a:prstGeom>
-            <a:solidFill>
-              <a:srgbClr val="FFF9F9">
-                <a:alpha val="100000"/>
-              </a:srgbClr>
-            </a:solidFill>
-            <a:ln w="9525" cap="rnd">
-              <a:solidFill>
-                <a:srgbClr val="000000">
-                  <a:alpha val="100000"/>
-                </a:srgbClr>
-              </a:solidFill>
-              <a:prstDash val="solid"/>
-              <a:round/>
-            </a:ln>
-          </p:spPr>
-          <p:txBody>
-            <a:bodyPr/>
-            <a:lstStyle/>
-            <a:p/>
-          </p:txBody>
-        </p:sp>
-        <p:sp>
-          <p:nvSpPr>
-            <p:cNvPr id="51" name="rc51"/>
-            <p:cNvSpPr/>
-            <p:nvPr/>
-          </p:nvSpPr>
-          <p:spPr>
-            <a:xfrm>
-              <a:off x="4747260" y="4385649"/>
-              <a:ext cx="460248" cy="468174"/>
-            </a:xfrm>
-            <a:prstGeom prst="rect">
-              <a:avLst/>
-            </a:prstGeom>
-            <a:solidFill>
-              <a:srgbClr val="FF9595">
-                <a:alpha val="100000"/>
-              </a:srgbClr>
-            </a:solidFill>
-            <a:ln w="9525" cap="rnd">
-              <a:solidFill>
-                <a:srgbClr val="000000">
-                  <a:alpha val="100000"/>
-                </a:srgbClr>
-              </a:solidFill>
-              <a:prstDash val="solid"/>
-              <a:round/>
-            </a:ln>
-          </p:spPr>
-          <p:txBody>
-            <a:bodyPr/>
-            <a:lstStyle/>
-            <a:p/>
-          </p:txBody>
-        </p:sp>
-        <p:sp>
-          <p:nvSpPr>
-            <p:cNvPr id="52" name="rc52"/>
-            <p:cNvSpPr/>
-            <p:nvPr/>
-          </p:nvSpPr>
-          <p:spPr>
-            <a:xfrm>
-              <a:off x="4747260" y="4853824"/>
-              <a:ext cx="460248" cy="468175"/>
+            <p:cNvPr id="48" name="rc48"/>
+            <p:cNvSpPr/>
+            <p:nvPr/>
+          </p:nvSpPr>
+          <p:spPr>
+            <a:xfrm>
+              <a:off x="4010863" y="2914241"/>
+              <a:ext cx="414223" cy="401292"/>
             </a:xfrm>
             <a:prstGeom prst="rect">
               <a:avLst/>
@@ -4523,14 +4383,49 @@
         </p:sp>
         <p:sp>
           <p:nvSpPr>
-            <p:cNvPr id="53" name="rc53"/>
-            <p:cNvSpPr/>
-            <p:nvPr/>
-          </p:nvSpPr>
-          <p:spPr>
-            <a:xfrm>
-              <a:off x="5207508" y="2512949"/>
-              <a:ext cx="460248" cy="468175"/>
+            <p:cNvPr id="49" name="rc49"/>
+            <p:cNvSpPr/>
+            <p:nvPr/>
+          </p:nvSpPr>
+          <p:spPr>
+            <a:xfrm>
+              <a:off x="4010863" y="3315534"/>
+              <a:ext cx="414223" cy="401292"/>
+            </a:xfrm>
+            <a:prstGeom prst="rect">
+              <a:avLst/>
+            </a:prstGeom>
+            <a:solidFill>
+              <a:srgbClr val="FFFCFC">
+                <a:alpha val="100000"/>
+              </a:srgbClr>
+            </a:solidFill>
+            <a:ln w="9525" cap="rnd">
+              <a:solidFill>
+                <a:srgbClr val="000000">
+                  <a:alpha val="100000"/>
+                </a:srgbClr>
+              </a:solidFill>
+              <a:prstDash val="solid"/>
+              <a:round/>
+            </a:ln>
+          </p:spPr>
+          <p:txBody>
+            <a:bodyPr/>
+            <a:lstStyle/>
+            <a:p/>
+          </p:txBody>
+        </p:sp>
+        <p:sp>
+          <p:nvSpPr>
+            <p:cNvPr id="50" name="rc50"/>
+            <p:cNvSpPr/>
+            <p:nvPr/>
+          </p:nvSpPr>
+          <p:spPr>
+            <a:xfrm>
+              <a:off x="4010863" y="3716827"/>
+              <a:ext cx="414223" cy="401292"/>
             </a:xfrm>
             <a:prstGeom prst="rect">
               <a:avLst/>
@@ -4558,14 +4453,49 @@
         </p:sp>
         <p:sp>
           <p:nvSpPr>
-            <p:cNvPr id="54" name="rc54"/>
-            <p:cNvSpPr/>
-            <p:nvPr/>
-          </p:nvSpPr>
-          <p:spPr>
-            <a:xfrm>
-              <a:off x="5207508" y="2981124"/>
-              <a:ext cx="460248" cy="468175"/>
+            <p:cNvPr id="51" name="rc51"/>
+            <p:cNvSpPr/>
+            <p:nvPr/>
+          </p:nvSpPr>
+          <p:spPr>
+            <a:xfrm>
+              <a:off x="4010863" y="4118120"/>
+              <a:ext cx="414223" cy="401292"/>
+            </a:xfrm>
+            <a:prstGeom prst="rect">
+              <a:avLst/>
+            </a:prstGeom>
+            <a:solidFill>
+              <a:srgbClr val="FFAAAA">
+                <a:alpha val="100000"/>
+              </a:srgbClr>
+            </a:solidFill>
+            <a:ln w="9525" cap="rnd">
+              <a:solidFill>
+                <a:srgbClr val="000000">
+                  <a:alpha val="100000"/>
+                </a:srgbClr>
+              </a:solidFill>
+              <a:prstDash val="solid"/>
+              <a:round/>
+            </a:ln>
+          </p:spPr>
+          <p:txBody>
+            <a:bodyPr/>
+            <a:lstStyle/>
+            <a:p/>
+          </p:txBody>
+        </p:sp>
+        <p:sp>
+          <p:nvSpPr>
+            <p:cNvPr id="52" name="rc52"/>
+            <p:cNvSpPr/>
+            <p:nvPr/>
+          </p:nvSpPr>
+          <p:spPr>
+            <a:xfrm>
+              <a:off x="4010863" y="4519413"/>
+              <a:ext cx="414223" cy="401292"/>
             </a:xfrm>
             <a:prstGeom prst="rect">
               <a:avLst/>
@@ -4593,14 +4523,14 @@
         </p:sp>
         <p:sp>
           <p:nvSpPr>
-            <p:cNvPr id="55" name="rc55"/>
-            <p:cNvSpPr/>
-            <p:nvPr/>
-          </p:nvSpPr>
-          <p:spPr>
-            <a:xfrm>
-              <a:off x="5207508" y="3449299"/>
-              <a:ext cx="460248" cy="468175"/>
+            <p:cNvPr id="53" name="rc53"/>
+            <p:cNvSpPr/>
+            <p:nvPr/>
+          </p:nvSpPr>
+          <p:spPr>
+            <a:xfrm>
+              <a:off x="4010863" y="4920706"/>
+              <a:ext cx="414223" cy="401292"/>
             </a:xfrm>
             <a:prstGeom prst="rect">
               <a:avLst/>
@@ -4628,14 +4558,14 @@
         </p:sp>
         <p:sp>
           <p:nvSpPr>
-            <p:cNvPr id="56" name="rc56"/>
-            <p:cNvSpPr/>
-            <p:nvPr/>
-          </p:nvSpPr>
-          <p:spPr>
-            <a:xfrm>
-              <a:off x="5207508" y="3917474"/>
-              <a:ext cx="460248" cy="468174"/>
+            <p:cNvPr id="54" name="rc54"/>
+            <p:cNvSpPr/>
+            <p:nvPr/>
+          </p:nvSpPr>
+          <p:spPr>
+            <a:xfrm>
+              <a:off x="4425086" y="2512949"/>
+              <a:ext cx="414223" cy="401292"/>
             </a:xfrm>
             <a:prstGeom prst="rect">
               <a:avLst/>
@@ -4663,14 +4593,14 @@
         </p:sp>
         <p:sp>
           <p:nvSpPr>
-            <p:cNvPr id="57" name="rc57"/>
-            <p:cNvSpPr/>
-            <p:nvPr/>
-          </p:nvSpPr>
-          <p:spPr>
-            <a:xfrm>
-              <a:off x="5207508" y="4385649"/>
-              <a:ext cx="460248" cy="468174"/>
+            <p:cNvPr id="55" name="rc55"/>
+            <p:cNvSpPr/>
+            <p:nvPr/>
+          </p:nvSpPr>
+          <p:spPr>
+            <a:xfrm>
+              <a:off x="4425086" y="2914241"/>
+              <a:ext cx="414223" cy="401292"/>
             </a:xfrm>
             <a:prstGeom prst="rect">
               <a:avLst/>
@@ -4698,14 +4628,644 @@
         </p:sp>
         <p:sp>
           <p:nvSpPr>
+            <p:cNvPr id="56" name="rc56"/>
+            <p:cNvSpPr/>
+            <p:nvPr/>
+          </p:nvSpPr>
+          <p:spPr>
+            <a:xfrm>
+              <a:off x="4425086" y="3315534"/>
+              <a:ext cx="414223" cy="401292"/>
+            </a:xfrm>
+            <a:prstGeom prst="rect">
+              <a:avLst/>
+            </a:prstGeom>
+            <a:solidFill>
+              <a:srgbClr val="FFFFFF">
+                <a:alpha val="100000"/>
+              </a:srgbClr>
+            </a:solidFill>
+            <a:ln w="9525" cap="rnd">
+              <a:solidFill>
+                <a:srgbClr val="000000">
+                  <a:alpha val="100000"/>
+                </a:srgbClr>
+              </a:solidFill>
+              <a:prstDash val="solid"/>
+              <a:round/>
+            </a:ln>
+          </p:spPr>
+          <p:txBody>
+            <a:bodyPr/>
+            <a:lstStyle/>
+            <a:p/>
+          </p:txBody>
+        </p:sp>
+        <p:sp>
+          <p:nvSpPr>
+            <p:cNvPr id="57" name="rc57"/>
+            <p:cNvSpPr/>
+            <p:nvPr/>
+          </p:nvSpPr>
+          <p:spPr>
+            <a:xfrm>
+              <a:off x="4425086" y="3716827"/>
+              <a:ext cx="414223" cy="401292"/>
+            </a:xfrm>
+            <a:prstGeom prst="rect">
+              <a:avLst/>
+            </a:prstGeom>
+            <a:solidFill>
+              <a:srgbClr val="FFFAFA">
+                <a:alpha val="100000"/>
+              </a:srgbClr>
+            </a:solidFill>
+            <a:ln w="9525" cap="rnd">
+              <a:solidFill>
+                <a:srgbClr val="000000">
+                  <a:alpha val="100000"/>
+                </a:srgbClr>
+              </a:solidFill>
+              <a:prstDash val="solid"/>
+              <a:round/>
+            </a:ln>
+          </p:spPr>
+          <p:txBody>
+            <a:bodyPr/>
+            <a:lstStyle/>
+            <a:p/>
+          </p:txBody>
+        </p:sp>
+        <p:sp>
+          <p:nvSpPr>
             <p:cNvPr id="58" name="rc58"/>
             <p:cNvSpPr/>
             <p:nvPr/>
           </p:nvSpPr>
           <p:spPr>
             <a:xfrm>
-              <a:off x="5207508" y="4853824"/>
-              <a:ext cx="460248" cy="468175"/>
+              <a:off x="4425086" y="4118120"/>
+              <a:ext cx="414223" cy="401292"/>
+            </a:xfrm>
+            <a:prstGeom prst="rect">
+              <a:avLst/>
+            </a:prstGeom>
+            <a:solidFill>
+              <a:srgbClr val="FFAAAA">
+                <a:alpha val="100000"/>
+              </a:srgbClr>
+            </a:solidFill>
+            <a:ln w="9525" cap="rnd">
+              <a:solidFill>
+                <a:srgbClr val="000000">
+                  <a:alpha val="100000"/>
+                </a:srgbClr>
+              </a:solidFill>
+              <a:prstDash val="solid"/>
+              <a:round/>
+            </a:ln>
+          </p:spPr>
+          <p:txBody>
+            <a:bodyPr/>
+            <a:lstStyle/>
+            <a:p/>
+          </p:txBody>
+        </p:sp>
+        <p:sp>
+          <p:nvSpPr>
+            <p:cNvPr id="59" name="rc59"/>
+            <p:cNvSpPr/>
+            <p:nvPr/>
+          </p:nvSpPr>
+          <p:spPr>
+            <a:xfrm>
+              <a:off x="4425086" y="4519413"/>
+              <a:ext cx="414223" cy="401292"/>
+            </a:xfrm>
+            <a:prstGeom prst="rect">
+              <a:avLst/>
+            </a:prstGeom>
+            <a:solidFill>
+              <a:srgbClr val="FFFFFF">
+                <a:alpha val="100000"/>
+              </a:srgbClr>
+            </a:solidFill>
+            <a:ln w="9525" cap="rnd">
+              <a:solidFill>
+                <a:srgbClr val="000000">
+                  <a:alpha val="100000"/>
+                </a:srgbClr>
+              </a:solidFill>
+              <a:prstDash val="solid"/>
+              <a:round/>
+            </a:ln>
+          </p:spPr>
+          <p:txBody>
+            <a:bodyPr/>
+            <a:lstStyle/>
+            <a:p/>
+          </p:txBody>
+        </p:sp>
+        <p:sp>
+          <p:nvSpPr>
+            <p:cNvPr id="60" name="rc60"/>
+            <p:cNvSpPr/>
+            <p:nvPr/>
+          </p:nvSpPr>
+          <p:spPr>
+            <a:xfrm>
+              <a:off x="4425086" y="4920706"/>
+              <a:ext cx="414223" cy="401292"/>
+            </a:xfrm>
+            <a:prstGeom prst="rect">
+              <a:avLst/>
+            </a:prstGeom>
+            <a:solidFill>
+              <a:srgbClr val="FFFFFF">
+                <a:alpha val="100000"/>
+              </a:srgbClr>
+            </a:solidFill>
+            <a:ln w="9525" cap="rnd">
+              <a:solidFill>
+                <a:srgbClr val="000000">
+                  <a:alpha val="100000"/>
+                </a:srgbClr>
+              </a:solidFill>
+              <a:prstDash val="solid"/>
+              <a:round/>
+            </a:ln>
+          </p:spPr>
+          <p:txBody>
+            <a:bodyPr/>
+            <a:lstStyle/>
+            <a:p/>
+          </p:txBody>
+        </p:sp>
+        <p:sp>
+          <p:nvSpPr>
+            <p:cNvPr id="61" name="rc61"/>
+            <p:cNvSpPr/>
+            <p:nvPr/>
+          </p:nvSpPr>
+          <p:spPr>
+            <a:xfrm>
+              <a:off x="4839309" y="2512949"/>
+              <a:ext cx="414223" cy="401292"/>
+            </a:xfrm>
+            <a:prstGeom prst="rect">
+              <a:avLst/>
+            </a:prstGeom>
+            <a:solidFill>
+              <a:srgbClr val="FFFFFF">
+                <a:alpha val="100000"/>
+              </a:srgbClr>
+            </a:solidFill>
+            <a:ln w="9525" cap="rnd">
+              <a:solidFill>
+                <a:srgbClr val="000000">
+                  <a:alpha val="100000"/>
+                </a:srgbClr>
+              </a:solidFill>
+              <a:prstDash val="solid"/>
+              <a:round/>
+            </a:ln>
+          </p:spPr>
+          <p:txBody>
+            <a:bodyPr/>
+            <a:lstStyle/>
+            <a:p/>
+          </p:txBody>
+        </p:sp>
+        <p:sp>
+          <p:nvSpPr>
+            <p:cNvPr id="62" name="rc62"/>
+            <p:cNvSpPr/>
+            <p:nvPr/>
+          </p:nvSpPr>
+          <p:spPr>
+            <a:xfrm>
+              <a:off x="4839309" y="2914241"/>
+              <a:ext cx="414223" cy="401292"/>
+            </a:xfrm>
+            <a:prstGeom prst="rect">
+              <a:avLst/>
+            </a:prstGeom>
+            <a:solidFill>
+              <a:srgbClr val="FFFFFF">
+                <a:alpha val="100000"/>
+              </a:srgbClr>
+            </a:solidFill>
+            <a:ln w="9525" cap="rnd">
+              <a:solidFill>
+                <a:srgbClr val="000000">
+                  <a:alpha val="100000"/>
+                </a:srgbClr>
+              </a:solidFill>
+              <a:prstDash val="solid"/>
+              <a:round/>
+            </a:ln>
+          </p:spPr>
+          <p:txBody>
+            <a:bodyPr/>
+            <a:lstStyle/>
+            <a:p/>
+          </p:txBody>
+        </p:sp>
+        <p:sp>
+          <p:nvSpPr>
+            <p:cNvPr id="63" name="rc63"/>
+            <p:cNvSpPr/>
+            <p:nvPr/>
+          </p:nvSpPr>
+          <p:spPr>
+            <a:xfrm>
+              <a:off x="4839309" y="3315534"/>
+              <a:ext cx="414223" cy="401292"/>
+            </a:xfrm>
+            <a:prstGeom prst="rect">
+              <a:avLst/>
+            </a:prstGeom>
+            <a:solidFill>
+              <a:srgbClr val="FFFFFF">
+                <a:alpha val="100000"/>
+              </a:srgbClr>
+            </a:solidFill>
+            <a:ln w="9525" cap="rnd">
+              <a:solidFill>
+                <a:srgbClr val="000000">
+                  <a:alpha val="100000"/>
+                </a:srgbClr>
+              </a:solidFill>
+              <a:prstDash val="solid"/>
+              <a:round/>
+            </a:ln>
+          </p:spPr>
+          <p:txBody>
+            <a:bodyPr/>
+            <a:lstStyle/>
+            <a:p/>
+          </p:txBody>
+        </p:sp>
+        <p:sp>
+          <p:nvSpPr>
+            <p:cNvPr id="64" name="rc64"/>
+            <p:cNvSpPr/>
+            <p:nvPr/>
+          </p:nvSpPr>
+          <p:spPr>
+            <a:xfrm>
+              <a:off x="4839309" y="3716827"/>
+              <a:ext cx="414223" cy="401292"/>
+            </a:xfrm>
+            <a:prstGeom prst="rect">
+              <a:avLst/>
+            </a:prstGeom>
+            <a:solidFill>
+              <a:srgbClr val="FFFFFF">
+                <a:alpha val="100000"/>
+              </a:srgbClr>
+            </a:solidFill>
+            <a:ln w="9525" cap="rnd">
+              <a:solidFill>
+                <a:srgbClr val="000000">
+                  <a:alpha val="100000"/>
+                </a:srgbClr>
+              </a:solidFill>
+              <a:prstDash val="solid"/>
+              <a:round/>
+            </a:ln>
+          </p:spPr>
+          <p:txBody>
+            <a:bodyPr/>
+            <a:lstStyle/>
+            <a:p/>
+          </p:txBody>
+        </p:sp>
+        <p:sp>
+          <p:nvSpPr>
+            <p:cNvPr id="65" name="rc65"/>
+            <p:cNvSpPr/>
+            <p:nvPr/>
+          </p:nvSpPr>
+          <p:spPr>
+            <a:xfrm>
+              <a:off x="4839309" y="4118120"/>
+              <a:ext cx="414223" cy="401292"/>
+            </a:xfrm>
+            <a:prstGeom prst="rect">
+              <a:avLst/>
+            </a:prstGeom>
+            <a:solidFill>
+              <a:srgbClr val="FFFFFF">
+                <a:alpha val="100000"/>
+              </a:srgbClr>
+            </a:solidFill>
+            <a:ln w="9525" cap="rnd">
+              <a:solidFill>
+                <a:srgbClr val="000000">
+                  <a:alpha val="100000"/>
+                </a:srgbClr>
+              </a:solidFill>
+              <a:prstDash val="solid"/>
+              <a:round/>
+            </a:ln>
+          </p:spPr>
+          <p:txBody>
+            <a:bodyPr/>
+            <a:lstStyle/>
+            <a:p/>
+          </p:txBody>
+        </p:sp>
+        <p:sp>
+          <p:nvSpPr>
+            <p:cNvPr id="66" name="rc66"/>
+            <p:cNvSpPr/>
+            <p:nvPr/>
+          </p:nvSpPr>
+          <p:spPr>
+            <a:xfrm>
+              <a:off x="4839309" y="4519413"/>
+              <a:ext cx="414223" cy="401292"/>
+            </a:xfrm>
+            <a:prstGeom prst="rect">
+              <a:avLst/>
+            </a:prstGeom>
+            <a:solidFill>
+              <a:srgbClr val="FF3333">
+                <a:alpha val="100000"/>
+              </a:srgbClr>
+            </a:solidFill>
+            <a:ln w="9525" cap="rnd">
+              <a:solidFill>
+                <a:srgbClr val="000000">
+                  <a:alpha val="100000"/>
+                </a:srgbClr>
+              </a:solidFill>
+              <a:prstDash val="solid"/>
+              <a:round/>
+            </a:ln>
+          </p:spPr>
+          <p:txBody>
+            <a:bodyPr/>
+            <a:lstStyle/>
+            <a:p/>
+          </p:txBody>
+        </p:sp>
+        <p:sp>
+          <p:nvSpPr>
+            <p:cNvPr id="67" name="rc67"/>
+            <p:cNvSpPr/>
+            <p:nvPr/>
+          </p:nvSpPr>
+          <p:spPr>
+            <a:xfrm>
+              <a:off x="4839309" y="4920706"/>
+              <a:ext cx="414223" cy="401292"/>
+            </a:xfrm>
+            <a:prstGeom prst="rect">
+              <a:avLst/>
+            </a:prstGeom>
+            <a:solidFill>
+              <a:srgbClr val="FFFFFF">
+                <a:alpha val="100000"/>
+              </a:srgbClr>
+            </a:solidFill>
+            <a:ln w="9525" cap="rnd">
+              <a:solidFill>
+                <a:srgbClr val="000000">
+                  <a:alpha val="100000"/>
+                </a:srgbClr>
+              </a:solidFill>
+              <a:prstDash val="solid"/>
+              <a:round/>
+            </a:ln>
+          </p:spPr>
+          <p:txBody>
+            <a:bodyPr/>
+            <a:lstStyle/>
+            <a:p/>
+          </p:txBody>
+        </p:sp>
+        <p:sp>
+          <p:nvSpPr>
+            <p:cNvPr id="68" name="rc68"/>
+            <p:cNvSpPr/>
+            <p:nvPr/>
+          </p:nvSpPr>
+          <p:spPr>
+            <a:xfrm>
+              <a:off x="5253532" y="2512949"/>
+              <a:ext cx="414223" cy="401292"/>
+            </a:xfrm>
+            <a:prstGeom prst="rect">
+              <a:avLst/>
+            </a:prstGeom>
+            <a:solidFill>
+              <a:srgbClr val="FFFFFF">
+                <a:alpha val="100000"/>
+              </a:srgbClr>
+            </a:solidFill>
+            <a:ln w="9525" cap="rnd">
+              <a:solidFill>
+                <a:srgbClr val="000000">
+                  <a:alpha val="100000"/>
+                </a:srgbClr>
+              </a:solidFill>
+              <a:prstDash val="solid"/>
+              <a:round/>
+            </a:ln>
+          </p:spPr>
+          <p:txBody>
+            <a:bodyPr/>
+            <a:lstStyle/>
+            <a:p/>
+          </p:txBody>
+        </p:sp>
+        <p:sp>
+          <p:nvSpPr>
+            <p:cNvPr id="69" name="rc69"/>
+            <p:cNvSpPr/>
+            <p:nvPr/>
+          </p:nvSpPr>
+          <p:spPr>
+            <a:xfrm>
+              <a:off x="5253532" y="2914241"/>
+              <a:ext cx="414223" cy="401292"/>
+            </a:xfrm>
+            <a:prstGeom prst="rect">
+              <a:avLst/>
+            </a:prstGeom>
+            <a:solidFill>
+              <a:srgbClr val="FFFFFF">
+                <a:alpha val="100000"/>
+              </a:srgbClr>
+            </a:solidFill>
+            <a:ln w="9525" cap="rnd">
+              <a:solidFill>
+                <a:srgbClr val="000000">
+                  <a:alpha val="100000"/>
+                </a:srgbClr>
+              </a:solidFill>
+              <a:prstDash val="solid"/>
+              <a:round/>
+            </a:ln>
+          </p:spPr>
+          <p:txBody>
+            <a:bodyPr/>
+            <a:lstStyle/>
+            <a:p/>
+          </p:txBody>
+        </p:sp>
+        <p:sp>
+          <p:nvSpPr>
+            <p:cNvPr id="70" name="rc70"/>
+            <p:cNvSpPr/>
+            <p:nvPr/>
+          </p:nvSpPr>
+          <p:spPr>
+            <a:xfrm>
+              <a:off x="5253532" y="3315534"/>
+              <a:ext cx="414223" cy="401292"/>
+            </a:xfrm>
+            <a:prstGeom prst="rect">
+              <a:avLst/>
+            </a:prstGeom>
+            <a:solidFill>
+              <a:srgbClr val="FFFFFF">
+                <a:alpha val="100000"/>
+              </a:srgbClr>
+            </a:solidFill>
+            <a:ln w="9525" cap="rnd">
+              <a:solidFill>
+                <a:srgbClr val="000000">
+                  <a:alpha val="100000"/>
+                </a:srgbClr>
+              </a:solidFill>
+              <a:prstDash val="solid"/>
+              <a:round/>
+            </a:ln>
+          </p:spPr>
+          <p:txBody>
+            <a:bodyPr/>
+            <a:lstStyle/>
+            <a:p/>
+          </p:txBody>
+        </p:sp>
+        <p:sp>
+          <p:nvSpPr>
+            <p:cNvPr id="71" name="rc71"/>
+            <p:cNvSpPr/>
+            <p:nvPr/>
+          </p:nvSpPr>
+          <p:spPr>
+            <a:xfrm>
+              <a:off x="5253532" y="3716827"/>
+              <a:ext cx="414223" cy="401292"/>
+            </a:xfrm>
+            <a:prstGeom prst="rect">
+              <a:avLst/>
+            </a:prstGeom>
+            <a:solidFill>
+              <a:srgbClr val="FFFFFF">
+                <a:alpha val="100000"/>
+              </a:srgbClr>
+            </a:solidFill>
+            <a:ln w="9525" cap="rnd">
+              <a:solidFill>
+                <a:srgbClr val="000000">
+                  <a:alpha val="100000"/>
+                </a:srgbClr>
+              </a:solidFill>
+              <a:prstDash val="solid"/>
+              <a:round/>
+            </a:ln>
+          </p:spPr>
+          <p:txBody>
+            <a:bodyPr/>
+            <a:lstStyle/>
+            <a:p/>
+          </p:txBody>
+        </p:sp>
+        <p:sp>
+          <p:nvSpPr>
+            <p:cNvPr id="72" name="rc72"/>
+            <p:cNvSpPr/>
+            <p:nvPr/>
+          </p:nvSpPr>
+          <p:spPr>
+            <a:xfrm>
+              <a:off x="5253532" y="4118120"/>
+              <a:ext cx="414223" cy="401292"/>
+            </a:xfrm>
+            <a:prstGeom prst="rect">
+              <a:avLst/>
+            </a:prstGeom>
+            <a:solidFill>
+              <a:srgbClr val="FFFFFF">
+                <a:alpha val="100000"/>
+              </a:srgbClr>
+            </a:solidFill>
+            <a:ln w="9525" cap="rnd">
+              <a:solidFill>
+                <a:srgbClr val="000000">
+                  <a:alpha val="100000"/>
+                </a:srgbClr>
+              </a:solidFill>
+              <a:prstDash val="solid"/>
+              <a:round/>
+            </a:ln>
+          </p:spPr>
+          <p:txBody>
+            <a:bodyPr/>
+            <a:lstStyle/>
+            <a:p/>
+          </p:txBody>
+        </p:sp>
+        <p:sp>
+          <p:nvSpPr>
+            <p:cNvPr id="73" name="rc73"/>
+            <p:cNvSpPr/>
+            <p:nvPr/>
+          </p:nvSpPr>
+          <p:spPr>
+            <a:xfrm>
+              <a:off x="5253532" y="4519413"/>
+              <a:ext cx="414223" cy="401292"/>
+            </a:xfrm>
+            <a:prstGeom prst="rect">
+              <a:avLst/>
+            </a:prstGeom>
+            <a:solidFill>
+              <a:srgbClr val="FFFFFF">
+                <a:alpha val="100000"/>
+              </a:srgbClr>
+            </a:solidFill>
+            <a:ln w="9525" cap="rnd">
+              <a:solidFill>
+                <a:srgbClr val="000000">
+                  <a:alpha val="100000"/>
+                </a:srgbClr>
+              </a:solidFill>
+              <a:prstDash val="solid"/>
+              <a:round/>
+            </a:ln>
+          </p:spPr>
+          <p:txBody>
+            <a:bodyPr/>
+            <a:lstStyle/>
+            <a:p/>
+          </p:txBody>
+        </p:sp>
+        <p:sp>
+          <p:nvSpPr>
+            <p:cNvPr id="74" name="rc74"/>
+            <p:cNvSpPr/>
+            <p:nvPr/>
+          </p:nvSpPr>
+          <p:spPr>
+            <a:xfrm>
+              <a:off x="5253532" y="4920706"/>
+              <a:ext cx="414223" cy="401292"/>
             </a:xfrm>
             <a:prstGeom prst="rect">
               <a:avLst/>
@@ -4733,13 +5293,13 @@
         </p:sp>
         <p:sp>
           <p:nvSpPr>
-            <p:cNvPr id="59" name="tx59"/>
-            <p:cNvSpPr/>
-            <p:nvPr/>
-          </p:nvSpPr>
-          <p:spPr>
-            <a:xfrm>
-              <a:off x="1667209" y="2700205"/>
+            <p:cNvPr id="75" name="tx75"/>
+            <p:cNvSpPr/>
+            <p:nvPr/>
+          </p:nvSpPr>
+          <p:spPr>
+            <a:xfrm>
+              <a:off x="1644197" y="2666764"/>
               <a:ext cx="176876" cy="90884"/>
             </a:xfrm>
             <a:prstGeom prst="rect">
@@ -4779,13 +5339,13 @@
         </p:sp>
         <p:sp>
           <p:nvSpPr>
-            <p:cNvPr id="60" name="tx60"/>
-            <p:cNvSpPr/>
-            <p:nvPr/>
-          </p:nvSpPr>
-          <p:spPr>
-            <a:xfrm>
-              <a:off x="1667209" y="3168380"/>
+            <p:cNvPr id="76" name="tx76"/>
+            <p:cNvSpPr/>
+            <p:nvPr/>
+          </p:nvSpPr>
+          <p:spPr>
+            <a:xfrm>
+              <a:off x="1644197" y="3068057"/>
               <a:ext cx="176876" cy="90884"/>
             </a:xfrm>
             <a:prstGeom prst="rect">
@@ -4825,13 +5385,13 @@
         </p:sp>
         <p:sp>
           <p:nvSpPr>
-            <p:cNvPr id="61" name="tx61"/>
-            <p:cNvSpPr/>
-            <p:nvPr/>
-          </p:nvSpPr>
-          <p:spPr>
-            <a:xfrm>
-              <a:off x="1667209" y="3636555"/>
+            <p:cNvPr id="77" name="tx77"/>
+            <p:cNvSpPr/>
+            <p:nvPr/>
+          </p:nvSpPr>
+          <p:spPr>
+            <a:xfrm>
+              <a:off x="1644197" y="3469349"/>
               <a:ext cx="176876" cy="90884"/>
             </a:xfrm>
             <a:prstGeom prst="rect">
@@ -4871,13 +5431,13 @@
         </p:sp>
         <p:sp>
           <p:nvSpPr>
-            <p:cNvPr id="62" name="tx62"/>
-            <p:cNvSpPr/>
-            <p:nvPr/>
-          </p:nvSpPr>
-          <p:spPr>
-            <a:xfrm>
-              <a:off x="1667209" y="4104730"/>
+            <p:cNvPr id="78" name="tx78"/>
+            <p:cNvSpPr/>
+            <p:nvPr/>
+          </p:nvSpPr>
+          <p:spPr>
+            <a:xfrm>
+              <a:off x="1644197" y="3870642"/>
               <a:ext cx="176876" cy="90884"/>
             </a:xfrm>
             <a:prstGeom prst="rect">
@@ -4917,13 +5477,13 @@
         </p:sp>
         <p:sp>
           <p:nvSpPr>
-            <p:cNvPr id="63" name="tx63"/>
-            <p:cNvSpPr/>
-            <p:nvPr/>
-          </p:nvSpPr>
-          <p:spPr>
-            <a:xfrm>
-              <a:off x="1720245" y="4572905"/>
+            <p:cNvPr id="79" name="tx79"/>
+            <p:cNvSpPr/>
+            <p:nvPr/>
+          </p:nvSpPr>
+          <p:spPr>
+            <a:xfrm>
+              <a:off x="1697233" y="4271935"/>
               <a:ext cx="70804" cy="90884"/>
             </a:xfrm>
             <a:prstGeom prst="rect">
@@ -4963,13 +5523,13 @@
         </p:sp>
         <p:sp>
           <p:nvSpPr>
-            <p:cNvPr id="64" name="tx64"/>
-            <p:cNvSpPr/>
-            <p:nvPr/>
-          </p:nvSpPr>
-          <p:spPr>
-            <a:xfrm>
-              <a:off x="1720245" y="5041080"/>
+            <p:cNvPr id="80" name="tx80"/>
+            <p:cNvSpPr/>
+            <p:nvPr/>
+          </p:nvSpPr>
+          <p:spPr>
+            <a:xfrm>
+              <a:off x="1697233" y="4673228"/>
               <a:ext cx="70804" cy="90884"/>
             </a:xfrm>
             <a:prstGeom prst="rect">
@@ -5009,13 +5569,59 @@
         </p:sp>
         <p:sp>
           <p:nvSpPr>
-            <p:cNvPr id="65" name="tx65"/>
-            <p:cNvSpPr/>
-            <p:nvPr/>
-          </p:nvSpPr>
-          <p:spPr>
-            <a:xfrm>
-              <a:off x="2127457" y="2700205"/>
+            <p:cNvPr id="81" name="tx81"/>
+            <p:cNvSpPr/>
+            <p:nvPr/>
+          </p:nvSpPr>
+          <p:spPr>
+            <a:xfrm>
+              <a:off x="1697233" y="5074521"/>
+              <a:ext cx="70804" cy="90884"/>
+            </a:xfrm>
+            <a:prstGeom prst="rect">
+              <a:avLst/>
+            </a:prstGeom>
+            <a:noFill/>
+          </p:spPr>
+          <p:txBody>
+            <a:bodyPr wrap="none" lIns="0" tIns="0" rIns="0" bIns="0" anchor="ctr" anchorCtr="true"/>
+            <a:lstStyle/>
+            <a:p>
+              <a:pPr marL="0" marR="0" indent="0" algn="l">
+                <a:lnSpc>
+                  <a:spcPts val="1100"/>
+                </a:lnSpc>
+                <a:spcBef>
+                  <a:spcPts val="0"/>
+                </a:spcBef>
+                <a:spcAft>
+                  <a:spcPts val="0"/>
+                </a:spcAft>
+              </a:pPr>
+              <a:r>
+                <a:rPr sz="1100">
+                  <a:solidFill>
+                    <a:srgbClr val="000000">
+                      <a:alpha val="100000"/>
+                    </a:srgbClr>
+                  </a:solidFill>
+                  <a:latin typeface="Calibri"/>
+                  <a:cs typeface="Calibri"/>
+                </a:rPr>
+                <a:t>0</a:t>
+              </a:r>
+            </a:p>
+          </p:txBody>
+        </p:sp>
+        <p:sp>
+          <p:nvSpPr>
+            <p:cNvPr id="82" name="tx82"/>
+            <p:cNvSpPr/>
+            <p:nvPr/>
+          </p:nvSpPr>
+          <p:spPr>
+            <a:xfrm>
+              <a:off x="2058420" y="2666764"/>
               <a:ext cx="176876" cy="90884"/>
             </a:xfrm>
             <a:prstGeom prst="rect">
@@ -5055,13 +5661,13 @@
         </p:sp>
         <p:sp>
           <p:nvSpPr>
-            <p:cNvPr id="66" name="tx66"/>
-            <p:cNvSpPr/>
-            <p:nvPr/>
-          </p:nvSpPr>
-          <p:spPr>
-            <a:xfrm>
-              <a:off x="2127457" y="3168380"/>
+            <p:cNvPr id="83" name="tx83"/>
+            <p:cNvSpPr/>
+            <p:nvPr/>
+          </p:nvSpPr>
+          <p:spPr>
+            <a:xfrm>
+              <a:off x="2058420" y="3068057"/>
               <a:ext cx="176876" cy="90884"/>
             </a:xfrm>
             <a:prstGeom prst="rect">
@@ -5101,13 +5707,13 @@
         </p:sp>
         <p:sp>
           <p:nvSpPr>
-            <p:cNvPr id="67" name="tx67"/>
-            <p:cNvSpPr/>
-            <p:nvPr/>
-          </p:nvSpPr>
-          <p:spPr>
-            <a:xfrm>
-              <a:off x="2127457" y="3636555"/>
+            <p:cNvPr id="84" name="tx84"/>
+            <p:cNvSpPr/>
+            <p:nvPr/>
+          </p:nvSpPr>
+          <p:spPr>
+            <a:xfrm>
+              <a:off x="2058420" y="3469349"/>
               <a:ext cx="176876" cy="90884"/>
             </a:xfrm>
             <a:prstGeom prst="rect">
@@ -5147,13 +5753,13 @@
         </p:sp>
         <p:sp>
           <p:nvSpPr>
-            <p:cNvPr id="68" name="tx68"/>
-            <p:cNvSpPr/>
-            <p:nvPr/>
-          </p:nvSpPr>
-          <p:spPr>
-            <a:xfrm>
-              <a:off x="2127457" y="4104730"/>
+            <p:cNvPr id="85" name="tx85"/>
+            <p:cNvSpPr/>
+            <p:nvPr/>
+          </p:nvSpPr>
+          <p:spPr>
+            <a:xfrm>
+              <a:off x="2058420" y="3870642"/>
               <a:ext cx="176876" cy="90884"/>
             </a:xfrm>
             <a:prstGeom prst="rect">
@@ -5193,13 +5799,13 @@
         </p:sp>
         <p:sp>
           <p:nvSpPr>
-            <p:cNvPr id="69" name="tx69"/>
-            <p:cNvSpPr/>
-            <p:nvPr/>
-          </p:nvSpPr>
-          <p:spPr>
-            <a:xfrm>
-              <a:off x="2180493" y="4572905"/>
+            <p:cNvPr id="86" name="tx86"/>
+            <p:cNvSpPr/>
+            <p:nvPr/>
+          </p:nvSpPr>
+          <p:spPr>
+            <a:xfrm>
+              <a:off x="2111456" y="4271935"/>
               <a:ext cx="70804" cy="90884"/>
             </a:xfrm>
             <a:prstGeom prst="rect">
@@ -5239,13 +5845,13 @@
         </p:sp>
         <p:sp>
           <p:nvSpPr>
-            <p:cNvPr id="70" name="tx70"/>
-            <p:cNvSpPr/>
-            <p:nvPr/>
-          </p:nvSpPr>
-          <p:spPr>
-            <a:xfrm>
-              <a:off x="2180493" y="5041080"/>
+            <p:cNvPr id="87" name="tx87"/>
+            <p:cNvSpPr/>
+            <p:nvPr/>
+          </p:nvSpPr>
+          <p:spPr>
+            <a:xfrm>
+              <a:off x="2111456" y="4673228"/>
               <a:ext cx="70804" cy="90884"/>
             </a:xfrm>
             <a:prstGeom prst="rect">
@@ -5285,13 +5891,59 @@
         </p:sp>
         <p:sp>
           <p:nvSpPr>
-            <p:cNvPr id="71" name="tx71"/>
-            <p:cNvSpPr/>
-            <p:nvPr/>
-          </p:nvSpPr>
-          <p:spPr>
-            <a:xfrm>
-              <a:off x="2587705" y="2700205"/>
+            <p:cNvPr id="88" name="tx88"/>
+            <p:cNvSpPr/>
+            <p:nvPr/>
+          </p:nvSpPr>
+          <p:spPr>
+            <a:xfrm>
+              <a:off x="2111456" y="5074521"/>
+              <a:ext cx="70804" cy="90884"/>
+            </a:xfrm>
+            <a:prstGeom prst="rect">
+              <a:avLst/>
+            </a:prstGeom>
+            <a:noFill/>
+          </p:spPr>
+          <p:txBody>
+            <a:bodyPr wrap="none" lIns="0" tIns="0" rIns="0" bIns="0" anchor="ctr" anchorCtr="true"/>
+            <a:lstStyle/>
+            <a:p>
+              <a:pPr marL="0" marR="0" indent="0" algn="l">
+                <a:lnSpc>
+                  <a:spcPts val="1100"/>
+                </a:lnSpc>
+                <a:spcBef>
+                  <a:spcPts val="0"/>
+                </a:spcBef>
+                <a:spcAft>
+                  <a:spcPts val="0"/>
+                </a:spcAft>
+              </a:pPr>
+              <a:r>
+                <a:rPr sz="1100">
+                  <a:solidFill>
+                    <a:srgbClr val="000000">
+                      <a:alpha val="100000"/>
+                    </a:srgbClr>
+                  </a:solidFill>
+                  <a:latin typeface="Calibri"/>
+                  <a:cs typeface="Calibri"/>
+                </a:rPr>
+                <a:t>0</a:t>
+              </a:r>
+            </a:p>
+          </p:txBody>
+        </p:sp>
+        <p:sp>
+          <p:nvSpPr>
+            <p:cNvPr id="89" name="tx89"/>
+            <p:cNvSpPr/>
+            <p:nvPr/>
+          </p:nvSpPr>
+          <p:spPr>
+            <a:xfrm>
+              <a:off x="2472643" y="2666764"/>
               <a:ext cx="176876" cy="90884"/>
             </a:xfrm>
             <a:prstGeom prst="rect">
@@ -5331,13 +5983,13 @@
         </p:sp>
         <p:sp>
           <p:nvSpPr>
-            <p:cNvPr id="72" name="tx72"/>
-            <p:cNvSpPr/>
-            <p:nvPr/>
-          </p:nvSpPr>
-          <p:spPr>
-            <a:xfrm>
-              <a:off x="2640741" y="3168380"/>
+            <p:cNvPr id="90" name="tx90"/>
+            <p:cNvSpPr/>
+            <p:nvPr/>
+          </p:nvSpPr>
+          <p:spPr>
+            <a:xfrm>
+              <a:off x="2525679" y="3068057"/>
               <a:ext cx="70804" cy="90884"/>
             </a:xfrm>
             <a:prstGeom prst="rect">
@@ -5377,13 +6029,13 @@
         </p:sp>
         <p:sp>
           <p:nvSpPr>
-            <p:cNvPr id="73" name="tx73"/>
-            <p:cNvSpPr/>
-            <p:nvPr/>
-          </p:nvSpPr>
-          <p:spPr>
-            <a:xfrm>
-              <a:off x="2587705" y="3636555"/>
+            <p:cNvPr id="91" name="tx91"/>
+            <p:cNvSpPr/>
+            <p:nvPr/>
+          </p:nvSpPr>
+          <p:spPr>
+            <a:xfrm>
+              <a:off x="2472643" y="3469349"/>
               <a:ext cx="176876" cy="90884"/>
             </a:xfrm>
             <a:prstGeom prst="rect">
@@ -5423,13 +6075,13 @@
         </p:sp>
         <p:sp>
           <p:nvSpPr>
-            <p:cNvPr id="74" name="tx74"/>
-            <p:cNvSpPr/>
-            <p:nvPr/>
-          </p:nvSpPr>
-          <p:spPr>
-            <a:xfrm>
-              <a:off x="2640741" y="4104730"/>
+            <p:cNvPr id="92" name="tx92"/>
+            <p:cNvSpPr/>
+            <p:nvPr/>
+          </p:nvSpPr>
+          <p:spPr>
+            <a:xfrm>
+              <a:off x="2525679" y="3870642"/>
               <a:ext cx="70804" cy="90884"/>
             </a:xfrm>
             <a:prstGeom prst="rect">
@@ -5469,13 +6121,13 @@
         </p:sp>
         <p:sp>
           <p:nvSpPr>
-            <p:cNvPr id="75" name="tx75"/>
-            <p:cNvSpPr/>
-            <p:nvPr/>
-          </p:nvSpPr>
-          <p:spPr>
-            <a:xfrm>
-              <a:off x="2587705" y="4572905"/>
+            <p:cNvPr id="93" name="tx93"/>
+            <p:cNvSpPr/>
+            <p:nvPr/>
+          </p:nvSpPr>
+          <p:spPr>
+            <a:xfrm>
+              <a:off x="2472643" y="4271935"/>
               <a:ext cx="176876" cy="90884"/>
             </a:xfrm>
             <a:prstGeom prst="rect">
@@ -5515,13 +6167,13 @@
         </p:sp>
         <p:sp>
           <p:nvSpPr>
-            <p:cNvPr id="76" name="tx76"/>
-            <p:cNvSpPr/>
-            <p:nvPr/>
-          </p:nvSpPr>
-          <p:spPr>
-            <a:xfrm>
-              <a:off x="2587705" y="5041080"/>
+            <p:cNvPr id="94" name="tx94"/>
+            <p:cNvSpPr/>
+            <p:nvPr/>
+          </p:nvSpPr>
+          <p:spPr>
+            <a:xfrm>
+              <a:off x="2472643" y="4673228"/>
               <a:ext cx="176876" cy="90884"/>
             </a:xfrm>
             <a:prstGeom prst="rect">
@@ -5561,13 +6213,59 @@
         </p:sp>
         <p:sp>
           <p:nvSpPr>
-            <p:cNvPr id="77" name="tx77"/>
-            <p:cNvSpPr/>
-            <p:nvPr/>
-          </p:nvSpPr>
-          <p:spPr>
-            <a:xfrm>
-              <a:off x="3047953" y="2700205"/>
+            <p:cNvPr id="95" name="tx95"/>
+            <p:cNvSpPr/>
+            <p:nvPr/>
+          </p:nvSpPr>
+          <p:spPr>
+            <a:xfrm>
+              <a:off x="2525679" y="5074521"/>
+              <a:ext cx="70804" cy="90884"/>
+            </a:xfrm>
+            <a:prstGeom prst="rect">
+              <a:avLst/>
+            </a:prstGeom>
+            <a:noFill/>
+          </p:spPr>
+          <p:txBody>
+            <a:bodyPr wrap="none" lIns="0" tIns="0" rIns="0" bIns="0" anchor="ctr" anchorCtr="true"/>
+            <a:lstStyle/>
+            <a:p>
+              <a:pPr marL="0" marR="0" indent="0" algn="l">
+                <a:lnSpc>
+                  <a:spcPts val="1100"/>
+                </a:lnSpc>
+                <a:spcBef>
+                  <a:spcPts val="0"/>
+                </a:spcBef>
+                <a:spcAft>
+                  <a:spcPts val="0"/>
+                </a:spcAft>
+              </a:pPr>
+              <a:r>
+                <a:rPr sz="1100">
+                  <a:solidFill>
+                    <a:srgbClr val="000000">
+                      <a:alpha val="100000"/>
+                    </a:srgbClr>
+                  </a:solidFill>
+                  <a:latin typeface="Calibri"/>
+                  <a:cs typeface="Calibri"/>
+                </a:rPr>
+                <a:t>0</a:t>
+              </a:r>
+            </a:p>
+          </p:txBody>
+        </p:sp>
+        <p:sp>
+          <p:nvSpPr>
+            <p:cNvPr id="96" name="tx96"/>
+            <p:cNvSpPr/>
+            <p:nvPr/>
+          </p:nvSpPr>
+          <p:spPr>
+            <a:xfrm>
+              <a:off x="2886867" y="2666764"/>
               <a:ext cx="176876" cy="90884"/>
             </a:xfrm>
             <a:prstGeom prst="rect">
@@ -5607,13 +6305,13 @@
         </p:sp>
         <p:sp>
           <p:nvSpPr>
-            <p:cNvPr id="78" name="tx78"/>
-            <p:cNvSpPr/>
-            <p:nvPr/>
-          </p:nvSpPr>
-          <p:spPr>
-            <a:xfrm>
-              <a:off x="3047953" y="3168380"/>
+            <p:cNvPr id="97" name="tx97"/>
+            <p:cNvSpPr/>
+            <p:nvPr/>
+          </p:nvSpPr>
+          <p:spPr>
+            <a:xfrm>
+              <a:off x="2886867" y="3068057"/>
               <a:ext cx="176876" cy="90884"/>
             </a:xfrm>
             <a:prstGeom prst="rect">
@@ -5653,13 +6351,13 @@
         </p:sp>
         <p:sp>
           <p:nvSpPr>
-            <p:cNvPr id="79" name="tx79"/>
-            <p:cNvSpPr/>
-            <p:nvPr/>
-          </p:nvSpPr>
-          <p:spPr>
-            <a:xfrm>
-              <a:off x="3047953" y="3636555"/>
+            <p:cNvPr id="98" name="tx98"/>
+            <p:cNvSpPr/>
+            <p:nvPr/>
+          </p:nvSpPr>
+          <p:spPr>
+            <a:xfrm>
+              <a:off x="2886867" y="3469349"/>
               <a:ext cx="176876" cy="90884"/>
             </a:xfrm>
             <a:prstGeom prst="rect">
@@ -5699,13 +6397,13 @@
         </p:sp>
         <p:sp>
           <p:nvSpPr>
-            <p:cNvPr id="80" name="tx80"/>
-            <p:cNvSpPr/>
-            <p:nvPr/>
-          </p:nvSpPr>
-          <p:spPr>
-            <a:xfrm>
-              <a:off x="3047953" y="4104730"/>
+            <p:cNvPr id="99" name="tx99"/>
+            <p:cNvSpPr/>
+            <p:nvPr/>
+          </p:nvSpPr>
+          <p:spPr>
+            <a:xfrm>
+              <a:off x="2886867" y="3870642"/>
               <a:ext cx="176876" cy="90884"/>
             </a:xfrm>
             <a:prstGeom prst="rect">
@@ -5745,13 +6443,13 @@
         </p:sp>
         <p:sp>
           <p:nvSpPr>
-            <p:cNvPr id="81" name="tx81"/>
-            <p:cNvSpPr/>
-            <p:nvPr/>
-          </p:nvSpPr>
-          <p:spPr>
-            <a:xfrm>
-              <a:off x="3100989" y="4572905"/>
+            <p:cNvPr id="100" name="tx100"/>
+            <p:cNvSpPr/>
+            <p:nvPr/>
+          </p:nvSpPr>
+          <p:spPr>
+            <a:xfrm>
+              <a:off x="2939902" y="4271935"/>
               <a:ext cx="70804" cy="90884"/>
             </a:xfrm>
             <a:prstGeom prst="rect">
@@ -5791,13 +6489,13 @@
         </p:sp>
         <p:sp>
           <p:nvSpPr>
-            <p:cNvPr id="82" name="tx82"/>
-            <p:cNvSpPr/>
-            <p:nvPr/>
-          </p:nvSpPr>
-          <p:spPr>
-            <a:xfrm>
-              <a:off x="3100989" y="5041080"/>
+            <p:cNvPr id="101" name="tx101"/>
+            <p:cNvSpPr/>
+            <p:nvPr/>
+          </p:nvSpPr>
+          <p:spPr>
+            <a:xfrm>
+              <a:off x="2939902" y="4673228"/>
               <a:ext cx="70804" cy="90884"/>
             </a:xfrm>
             <a:prstGeom prst="rect">
@@ -5837,13 +6535,13 @@
         </p:sp>
         <p:sp>
           <p:nvSpPr>
-            <p:cNvPr id="83" name="tx83"/>
-            <p:cNvSpPr/>
-            <p:nvPr/>
-          </p:nvSpPr>
-          <p:spPr>
-            <a:xfrm>
-              <a:off x="3561237" y="2700205"/>
+            <p:cNvPr id="102" name="tx102"/>
+            <p:cNvSpPr/>
+            <p:nvPr/>
+          </p:nvSpPr>
+          <p:spPr>
+            <a:xfrm>
+              <a:off x="2939902" y="5074521"/>
               <a:ext cx="70804" cy="90884"/>
             </a:xfrm>
             <a:prstGeom prst="rect">
@@ -5883,13 +6581,59 @@
         </p:sp>
         <p:sp>
           <p:nvSpPr>
-            <p:cNvPr id="84" name="tx84"/>
-            <p:cNvSpPr/>
-            <p:nvPr/>
-          </p:nvSpPr>
-          <p:spPr>
-            <a:xfrm>
-              <a:off x="3508201" y="3168380"/>
+            <p:cNvPr id="103" name="tx103"/>
+            <p:cNvSpPr/>
+            <p:nvPr/>
+          </p:nvSpPr>
+          <p:spPr>
+            <a:xfrm>
+              <a:off x="3354125" y="2666764"/>
+              <a:ext cx="70804" cy="90884"/>
+            </a:xfrm>
+            <a:prstGeom prst="rect">
+              <a:avLst/>
+            </a:prstGeom>
+            <a:noFill/>
+          </p:spPr>
+          <p:txBody>
+            <a:bodyPr wrap="none" lIns="0" tIns="0" rIns="0" bIns="0" anchor="ctr" anchorCtr="true"/>
+            <a:lstStyle/>
+            <a:p>
+              <a:pPr marL="0" marR="0" indent="0" algn="l">
+                <a:lnSpc>
+                  <a:spcPts val="1100"/>
+                </a:lnSpc>
+                <a:spcBef>
+                  <a:spcPts val="0"/>
+                </a:spcBef>
+                <a:spcAft>
+                  <a:spcPts val="0"/>
+                </a:spcAft>
+              </a:pPr>
+              <a:r>
+                <a:rPr sz="1100">
+                  <a:solidFill>
+                    <a:srgbClr val="000000">
+                      <a:alpha val="100000"/>
+                    </a:srgbClr>
+                  </a:solidFill>
+                  <a:latin typeface="Calibri"/>
+                  <a:cs typeface="Calibri"/>
+                </a:rPr>
+                <a:t>0</a:t>
+              </a:r>
+            </a:p>
+          </p:txBody>
+        </p:sp>
+        <p:sp>
+          <p:nvSpPr>
+            <p:cNvPr id="104" name="tx104"/>
+            <p:cNvSpPr/>
+            <p:nvPr/>
+          </p:nvSpPr>
+          <p:spPr>
+            <a:xfrm>
+              <a:off x="3301090" y="3068057"/>
               <a:ext cx="176876" cy="90884"/>
             </a:xfrm>
             <a:prstGeom prst="rect">
@@ -5929,13 +6673,13 @@
         </p:sp>
         <p:sp>
           <p:nvSpPr>
-            <p:cNvPr id="85" name="tx85"/>
-            <p:cNvSpPr/>
-            <p:nvPr/>
-          </p:nvSpPr>
-          <p:spPr>
-            <a:xfrm>
-              <a:off x="3508201" y="3636555"/>
+            <p:cNvPr id="105" name="tx105"/>
+            <p:cNvSpPr/>
+            <p:nvPr/>
+          </p:nvSpPr>
+          <p:spPr>
+            <a:xfrm>
+              <a:off x="3301090" y="3469349"/>
               <a:ext cx="176876" cy="90884"/>
             </a:xfrm>
             <a:prstGeom prst="rect">
@@ -5975,13 +6719,59 @@
         </p:sp>
         <p:sp>
           <p:nvSpPr>
-            <p:cNvPr id="86" name="tx86"/>
-            <p:cNvSpPr/>
-            <p:nvPr/>
-          </p:nvSpPr>
-          <p:spPr>
-            <a:xfrm>
-              <a:off x="3561237" y="4104730"/>
+            <p:cNvPr id="106" name="tx106"/>
+            <p:cNvSpPr/>
+            <p:nvPr/>
+          </p:nvSpPr>
+          <p:spPr>
+            <a:xfrm>
+              <a:off x="3301090" y="3870642"/>
+              <a:ext cx="176876" cy="90884"/>
+            </a:xfrm>
+            <a:prstGeom prst="rect">
+              <a:avLst/>
+            </a:prstGeom>
+            <a:noFill/>
+          </p:spPr>
+          <p:txBody>
+            <a:bodyPr wrap="none" lIns="0" tIns="0" rIns="0" bIns="0" anchor="ctr" anchorCtr="true"/>
+            <a:lstStyle/>
+            <a:p>
+              <a:pPr marL="0" marR="0" indent="0" algn="l">
+                <a:lnSpc>
+                  <a:spcPts val="1100"/>
+                </a:lnSpc>
+                <a:spcBef>
+                  <a:spcPts val="0"/>
+                </a:spcBef>
+                <a:spcAft>
+                  <a:spcPts val="0"/>
+                </a:spcAft>
+              </a:pPr>
+              <a:r>
+                <a:rPr sz="1100">
+                  <a:solidFill>
+                    <a:srgbClr val="000000">
+                      <a:alpha val="100000"/>
+                    </a:srgbClr>
+                  </a:solidFill>
+                  <a:latin typeface="Calibri"/>
+                  <a:cs typeface="Calibri"/>
+                </a:rPr>
+                <a:t>0.1</a:t>
+              </a:r>
+            </a:p>
+          </p:txBody>
+        </p:sp>
+        <p:sp>
+          <p:nvSpPr>
+            <p:cNvPr id="107" name="tx107"/>
+            <p:cNvSpPr/>
+            <p:nvPr/>
+          </p:nvSpPr>
+          <p:spPr>
+            <a:xfrm>
+              <a:off x="3354125" y="4271935"/>
               <a:ext cx="70804" cy="90884"/>
             </a:xfrm>
             <a:prstGeom prst="rect">
@@ -6021,13 +6811,13 @@
         </p:sp>
         <p:sp>
           <p:nvSpPr>
-            <p:cNvPr id="87" name="tx87"/>
-            <p:cNvSpPr/>
-            <p:nvPr/>
-          </p:nvSpPr>
-          <p:spPr>
-            <a:xfrm>
-              <a:off x="3561237" y="4572905"/>
+            <p:cNvPr id="108" name="tx108"/>
+            <p:cNvSpPr/>
+            <p:nvPr/>
+          </p:nvSpPr>
+          <p:spPr>
+            <a:xfrm>
+              <a:off x="3354125" y="4673228"/>
               <a:ext cx="70804" cy="90884"/>
             </a:xfrm>
             <a:prstGeom prst="rect">
@@ -6067,13 +6857,13 @@
         </p:sp>
         <p:sp>
           <p:nvSpPr>
-            <p:cNvPr id="88" name="tx88"/>
-            <p:cNvSpPr/>
-            <p:nvPr/>
-          </p:nvSpPr>
-          <p:spPr>
-            <a:xfrm>
-              <a:off x="3561237" y="5041080"/>
+            <p:cNvPr id="109" name="tx109"/>
+            <p:cNvSpPr/>
+            <p:nvPr/>
+          </p:nvSpPr>
+          <p:spPr>
+            <a:xfrm>
+              <a:off x="3354125" y="5074521"/>
               <a:ext cx="70804" cy="90884"/>
             </a:xfrm>
             <a:prstGeom prst="rect">
@@ -6113,13 +6903,13 @@
         </p:sp>
         <p:sp>
           <p:nvSpPr>
-            <p:cNvPr id="89" name="tx89"/>
-            <p:cNvSpPr/>
-            <p:nvPr/>
-          </p:nvSpPr>
-          <p:spPr>
-            <a:xfrm>
-              <a:off x="4021485" y="2700205"/>
+            <p:cNvPr id="110" name="tx110"/>
+            <p:cNvSpPr/>
+            <p:nvPr/>
+          </p:nvSpPr>
+          <p:spPr>
+            <a:xfrm>
+              <a:off x="3768349" y="2666764"/>
               <a:ext cx="70804" cy="90884"/>
             </a:xfrm>
             <a:prstGeom prst="rect">
@@ -6159,13 +6949,13 @@
         </p:sp>
         <p:sp>
           <p:nvSpPr>
-            <p:cNvPr id="90" name="tx90"/>
-            <p:cNvSpPr/>
-            <p:nvPr/>
-          </p:nvSpPr>
-          <p:spPr>
-            <a:xfrm>
-              <a:off x="4021485" y="3168380"/>
+            <p:cNvPr id="111" name="tx111"/>
+            <p:cNvSpPr/>
+            <p:nvPr/>
+          </p:nvSpPr>
+          <p:spPr>
+            <a:xfrm>
+              <a:off x="3768349" y="3068057"/>
               <a:ext cx="70804" cy="90884"/>
             </a:xfrm>
             <a:prstGeom prst="rect">
@@ -6205,13 +6995,13 @@
         </p:sp>
         <p:sp>
           <p:nvSpPr>
-            <p:cNvPr id="91" name="tx91"/>
-            <p:cNvSpPr/>
-            <p:nvPr/>
-          </p:nvSpPr>
-          <p:spPr>
-            <a:xfrm>
-              <a:off x="3968449" y="3636555"/>
+            <p:cNvPr id="112" name="tx112"/>
+            <p:cNvSpPr/>
+            <p:nvPr/>
+          </p:nvSpPr>
+          <p:spPr>
+            <a:xfrm>
+              <a:off x="3715313" y="3469349"/>
               <a:ext cx="176876" cy="90884"/>
             </a:xfrm>
             <a:prstGeom prst="rect">
@@ -6251,13 +7041,13 @@
         </p:sp>
         <p:sp>
           <p:nvSpPr>
-            <p:cNvPr id="92" name="tx92"/>
-            <p:cNvSpPr/>
-            <p:nvPr/>
-          </p:nvSpPr>
-          <p:spPr>
-            <a:xfrm>
-              <a:off x="4021485" y="4104730"/>
+            <p:cNvPr id="113" name="tx113"/>
+            <p:cNvSpPr/>
+            <p:nvPr/>
+          </p:nvSpPr>
+          <p:spPr>
+            <a:xfrm>
+              <a:off x="3768349" y="3870642"/>
               <a:ext cx="70804" cy="90884"/>
             </a:xfrm>
             <a:prstGeom prst="rect">
@@ -6297,13 +7087,13 @@
         </p:sp>
         <p:sp>
           <p:nvSpPr>
-            <p:cNvPr id="93" name="tx93"/>
-            <p:cNvSpPr/>
-            <p:nvPr/>
-          </p:nvSpPr>
-          <p:spPr>
-            <a:xfrm>
-              <a:off x="4021485" y="4572905"/>
+            <p:cNvPr id="114" name="tx114"/>
+            <p:cNvSpPr/>
+            <p:nvPr/>
+          </p:nvSpPr>
+          <p:spPr>
+            <a:xfrm>
+              <a:off x="3768349" y="4271935"/>
               <a:ext cx="70804" cy="90884"/>
             </a:xfrm>
             <a:prstGeom prst="rect">
@@ -6343,13 +7133,13 @@
         </p:sp>
         <p:sp>
           <p:nvSpPr>
-            <p:cNvPr id="94" name="tx94"/>
-            <p:cNvSpPr/>
-            <p:nvPr/>
-          </p:nvSpPr>
-          <p:spPr>
-            <a:xfrm>
-              <a:off x="4021485" y="5041080"/>
+            <p:cNvPr id="115" name="tx115"/>
+            <p:cNvSpPr/>
+            <p:nvPr/>
+          </p:nvSpPr>
+          <p:spPr>
+            <a:xfrm>
+              <a:off x="3768349" y="4673228"/>
               <a:ext cx="70804" cy="90884"/>
             </a:xfrm>
             <a:prstGeom prst="rect">
@@ -6389,13 +7179,13 @@
         </p:sp>
         <p:sp>
           <p:nvSpPr>
-            <p:cNvPr id="95" name="tx95"/>
-            <p:cNvSpPr/>
-            <p:nvPr/>
-          </p:nvSpPr>
-          <p:spPr>
-            <a:xfrm>
-              <a:off x="4481733" y="2700205"/>
+            <p:cNvPr id="116" name="tx116"/>
+            <p:cNvSpPr/>
+            <p:nvPr/>
+          </p:nvSpPr>
+          <p:spPr>
+            <a:xfrm>
+              <a:off x="3768349" y="5074521"/>
               <a:ext cx="70804" cy="90884"/>
             </a:xfrm>
             <a:prstGeom prst="rect">
@@ -6435,13 +7225,13 @@
         </p:sp>
         <p:sp>
           <p:nvSpPr>
-            <p:cNvPr id="96" name="tx96"/>
-            <p:cNvSpPr/>
-            <p:nvPr/>
-          </p:nvSpPr>
-          <p:spPr>
-            <a:xfrm>
-              <a:off x="4481733" y="3168380"/>
+            <p:cNvPr id="117" name="tx117"/>
+            <p:cNvSpPr/>
+            <p:nvPr/>
+          </p:nvSpPr>
+          <p:spPr>
+            <a:xfrm>
+              <a:off x="4182572" y="2666764"/>
               <a:ext cx="70804" cy="90884"/>
             </a:xfrm>
             <a:prstGeom prst="rect">
@@ -6481,13 +7271,13 @@
         </p:sp>
         <p:sp>
           <p:nvSpPr>
-            <p:cNvPr id="97" name="tx97"/>
-            <p:cNvSpPr/>
-            <p:nvPr/>
-          </p:nvSpPr>
-          <p:spPr>
-            <a:xfrm>
-              <a:off x="4481733" y="3636555"/>
+            <p:cNvPr id="118" name="tx118"/>
+            <p:cNvSpPr/>
+            <p:nvPr/>
+          </p:nvSpPr>
+          <p:spPr>
+            <a:xfrm>
+              <a:off x="4182572" y="3068057"/>
               <a:ext cx="70804" cy="90884"/>
             </a:xfrm>
             <a:prstGeom prst="rect">
@@ -6527,13 +7317,13 @@
         </p:sp>
         <p:sp>
           <p:nvSpPr>
-            <p:cNvPr id="98" name="tx98"/>
-            <p:cNvSpPr/>
-            <p:nvPr/>
-          </p:nvSpPr>
-          <p:spPr>
-            <a:xfrm>
-              <a:off x="4481733" y="4104730"/>
+            <p:cNvPr id="119" name="tx119"/>
+            <p:cNvSpPr/>
+            <p:nvPr/>
+          </p:nvSpPr>
+          <p:spPr>
+            <a:xfrm>
+              <a:off x="4182572" y="3469349"/>
               <a:ext cx="70804" cy="90884"/>
             </a:xfrm>
             <a:prstGeom prst="rect">
@@ -6573,13 +7363,59 @@
         </p:sp>
         <p:sp>
           <p:nvSpPr>
-            <p:cNvPr id="99" name="tx99"/>
-            <p:cNvSpPr/>
-            <p:nvPr/>
-          </p:nvSpPr>
-          <p:spPr>
-            <a:xfrm>
-              <a:off x="4428697" y="4572905"/>
+            <p:cNvPr id="120" name="tx120"/>
+            <p:cNvSpPr/>
+            <p:nvPr/>
+          </p:nvSpPr>
+          <p:spPr>
+            <a:xfrm>
+              <a:off x="4182572" y="3870642"/>
+              <a:ext cx="70804" cy="90884"/>
+            </a:xfrm>
+            <a:prstGeom prst="rect">
+              <a:avLst/>
+            </a:prstGeom>
+            <a:noFill/>
+          </p:spPr>
+          <p:txBody>
+            <a:bodyPr wrap="none" lIns="0" tIns="0" rIns="0" bIns="0" anchor="ctr" anchorCtr="true"/>
+            <a:lstStyle/>
+            <a:p>
+              <a:pPr marL="0" marR="0" indent="0" algn="l">
+                <a:lnSpc>
+                  <a:spcPts val="1100"/>
+                </a:lnSpc>
+                <a:spcBef>
+                  <a:spcPts val="0"/>
+                </a:spcBef>
+                <a:spcAft>
+                  <a:spcPts val="0"/>
+                </a:spcAft>
+              </a:pPr>
+              <a:r>
+                <a:rPr sz="1100">
+                  <a:solidFill>
+                    <a:srgbClr val="000000">
+                      <a:alpha val="100000"/>
+                    </a:srgbClr>
+                  </a:solidFill>
+                  <a:latin typeface="Calibri"/>
+                  <a:cs typeface="Calibri"/>
+                </a:rPr>
+                <a:t>0</a:t>
+              </a:r>
+            </a:p>
+          </p:txBody>
+        </p:sp>
+        <p:sp>
+          <p:nvSpPr>
+            <p:cNvPr id="121" name="tx121"/>
+            <p:cNvSpPr/>
+            <p:nvPr/>
+          </p:nvSpPr>
+          <p:spPr>
+            <a:xfrm>
+              <a:off x="4129536" y="4271935"/>
               <a:ext cx="176876" cy="90884"/>
             </a:xfrm>
             <a:prstGeom prst="rect">
@@ -6619,13 +7455,13 @@
         </p:sp>
         <p:sp>
           <p:nvSpPr>
-            <p:cNvPr id="100" name="tx100"/>
-            <p:cNvSpPr/>
-            <p:nvPr/>
-          </p:nvSpPr>
-          <p:spPr>
-            <a:xfrm>
-              <a:off x="4481733" y="5041080"/>
+            <p:cNvPr id="122" name="tx122"/>
+            <p:cNvSpPr/>
+            <p:nvPr/>
+          </p:nvSpPr>
+          <p:spPr>
+            <a:xfrm>
+              <a:off x="4182572" y="4673228"/>
               <a:ext cx="70804" cy="90884"/>
             </a:xfrm>
             <a:prstGeom prst="rect">
@@ -6665,13 +7501,13 @@
         </p:sp>
         <p:sp>
           <p:nvSpPr>
-            <p:cNvPr id="101" name="tx101"/>
-            <p:cNvSpPr/>
-            <p:nvPr/>
-          </p:nvSpPr>
-          <p:spPr>
-            <a:xfrm>
-              <a:off x="4941981" y="2700205"/>
+            <p:cNvPr id="123" name="tx123"/>
+            <p:cNvSpPr/>
+            <p:nvPr/>
+          </p:nvSpPr>
+          <p:spPr>
+            <a:xfrm>
+              <a:off x="4182572" y="5074521"/>
               <a:ext cx="70804" cy="90884"/>
             </a:xfrm>
             <a:prstGeom prst="rect">
@@ -6711,13 +7547,13 @@
         </p:sp>
         <p:sp>
           <p:nvSpPr>
-            <p:cNvPr id="102" name="tx102"/>
-            <p:cNvSpPr/>
-            <p:nvPr/>
-          </p:nvSpPr>
-          <p:spPr>
-            <a:xfrm>
-              <a:off x="4941981" y="3168380"/>
+            <p:cNvPr id="124" name="tx124"/>
+            <p:cNvSpPr/>
+            <p:nvPr/>
+          </p:nvSpPr>
+          <p:spPr>
+            <a:xfrm>
+              <a:off x="4596795" y="2666764"/>
               <a:ext cx="70804" cy="90884"/>
             </a:xfrm>
             <a:prstGeom prst="rect">
@@ -6757,13 +7593,13 @@
         </p:sp>
         <p:sp>
           <p:nvSpPr>
-            <p:cNvPr id="103" name="tx103"/>
-            <p:cNvSpPr/>
-            <p:nvPr/>
-          </p:nvSpPr>
-          <p:spPr>
-            <a:xfrm>
-              <a:off x="4941981" y="3636555"/>
+            <p:cNvPr id="125" name="tx125"/>
+            <p:cNvSpPr/>
+            <p:nvPr/>
+          </p:nvSpPr>
+          <p:spPr>
+            <a:xfrm>
+              <a:off x="4596795" y="3068057"/>
               <a:ext cx="70804" cy="90884"/>
             </a:xfrm>
             <a:prstGeom prst="rect">
@@ -6803,13 +7639,13 @@
         </p:sp>
         <p:sp>
           <p:nvSpPr>
-            <p:cNvPr id="104" name="tx104"/>
-            <p:cNvSpPr/>
-            <p:nvPr/>
-          </p:nvSpPr>
-          <p:spPr>
-            <a:xfrm>
-              <a:off x="4941981" y="4104730"/>
+            <p:cNvPr id="126" name="tx126"/>
+            <p:cNvSpPr/>
+            <p:nvPr/>
+          </p:nvSpPr>
+          <p:spPr>
+            <a:xfrm>
+              <a:off x="4596795" y="3469349"/>
               <a:ext cx="70804" cy="90884"/>
             </a:xfrm>
             <a:prstGeom prst="rect">
@@ -6849,13 +7685,59 @@
         </p:sp>
         <p:sp>
           <p:nvSpPr>
-            <p:cNvPr id="105" name="tx105"/>
-            <p:cNvSpPr/>
-            <p:nvPr/>
-          </p:nvSpPr>
-          <p:spPr>
-            <a:xfrm>
-              <a:off x="4888945" y="4572905"/>
+            <p:cNvPr id="127" name="tx127"/>
+            <p:cNvSpPr/>
+            <p:nvPr/>
+          </p:nvSpPr>
+          <p:spPr>
+            <a:xfrm>
+              <a:off x="4596795" y="3870642"/>
+              <a:ext cx="70804" cy="90884"/>
+            </a:xfrm>
+            <a:prstGeom prst="rect">
+              <a:avLst/>
+            </a:prstGeom>
+            <a:noFill/>
+          </p:spPr>
+          <p:txBody>
+            <a:bodyPr wrap="none" lIns="0" tIns="0" rIns="0" bIns="0" anchor="ctr" anchorCtr="true"/>
+            <a:lstStyle/>
+            <a:p>
+              <a:pPr marL="0" marR="0" indent="0" algn="l">
+                <a:lnSpc>
+                  <a:spcPts val="1100"/>
+                </a:lnSpc>
+                <a:spcBef>
+                  <a:spcPts val="0"/>
+                </a:spcBef>
+                <a:spcAft>
+                  <a:spcPts val="0"/>
+                </a:spcAft>
+              </a:pPr>
+              <a:r>
+                <a:rPr sz="1100">
+                  <a:solidFill>
+                    <a:srgbClr val="000000">
+                      <a:alpha val="100000"/>
+                    </a:srgbClr>
+                  </a:solidFill>
+                  <a:latin typeface="Calibri"/>
+                  <a:cs typeface="Calibri"/>
+                </a:rPr>
+                <a:t>0</a:t>
+              </a:r>
+            </a:p>
+          </p:txBody>
+        </p:sp>
+        <p:sp>
+          <p:nvSpPr>
+            <p:cNvPr id="128" name="tx128"/>
+            <p:cNvSpPr/>
+            <p:nvPr/>
+          </p:nvSpPr>
+          <p:spPr>
+            <a:xfrm>
+              <a:off x="4543759" y="4271935"/>
               <a:ext cx="176876" cy="90884"/>
             </a:xfrm>
             <a:prstGeom prst="rect">
@@ -6895,13 +7777,13 @@
         </p:sp>
         <p:sp>
           <p:nvSpPr>
-            <p:cNvPr id="106" name="tx106"/>
-            <p:cNvSpPr/>
-            <p:nvPr/>
-          </p:nvSpPr>
-          <p:spPr>
-            <a:xfrm>
-              <a:off x="4941981" y="5041080"/>
+            <p:cNvPr id="129" name="tx129"/>
+            <p:cNvSpPr/>
+            <p:nvPr/>
+          </p:nvSpPr>
+          <p:spPr>
+            <a:xfrm>
+              <a:off x="4596795" y="4673228"/>
               <a:ext cx="70804" cy="90884"/>
             </a:xfrm>
             <a:prstGeom prst="rect">
@@ -6941,13 +7823,13 @@
         </p:sp>
         <p:sp>
           <p:nvSpPr>
-            <p:cNvPr id="107" name="tx107"/>
-            <p:cNvSpPr/>
-            <p:nvPr/>
-          </p:nvSpPr>
-          <p:spPr>
-            <a:xfrm>
-              <a:off x="5402229" y="2700205"/>
+            <p:cNvPr id="130" name="tx130"/>
+            <p:cNvSpPr/>
+            <p:nvPr/>
+          </p:nvSpPr>
+          <p:spPr>
+            <a:xfrm>
+              <a:off x="4596795" y="5074521"/>
               <a:ext cx="70804" cy="90884"/>
             </a:xfrm>
             <a:prstGeom prst="rect">
@@ -6987,13 +7869,13 @@
         </p:sp>
         <p:sp>
           <p:nvSpPr>
-            <p:cNvPr id="108" name="tx108"/>
-            <p:cNvSpPr/>
-            <p:nvPr/>
-          </p:nvSpPr>
-          <p:spPr>
-            <a:xfrm>
-              <a:off x="5402229" y="3168380"/>
+            <p:cNvPr id="131" name="tx131"/>
+            <p:cNvSpPr/>
+            <p:nvPr/>
+          </p:nvSpPr>
+          <p:spPr>
+            <a:xfrm>
+              <a:off x="5011018" y="2666764"/>
               <a:ext cx="70804" cy="90884"/>
             </a:xfrm>
             <a:prstGeom prst="rect">
@@ -7033,13 +7915,13 @@
         </p:sp>
         <p:sp>
           <p:nvSpPr>
-            <p:cNvPr id="109" name="tx109"/>
-            <p:cNvSpPr/>
-            <p:nvPr/>
-          </p:nvSpPr>
-          <p:spPr>
-            <a:xfrm>
-              <a:off x="5402229" y="3636555"/>
+            <p:cNvPr id="132" name="tx132"/>
+            <p:cNvSpPr/>
+            <p:nvPr/>
+          </p:nvSpPr>
+          <p:spPr>
+            <a:xfrm>
+              <a:off x="5011018" y="3068057"/>
               <a:ext cx="70804" cy="90884"/>
             </a:xfrm>
             <a:prstGeom prst="rect">
@@ -7079,13 +7961,13 @@
         </p:sp>
         <p:sp>
           <p:nvSpPr>
-            <p:cNvPr id="110" name="tx110"/>
-            <p:cNvSpPr/>
-            <p:nvPr/>
-          </p:nvSpPr>
-          <p:spPr>
-            <a:xfrm>
-              <a:off x="5402229" y="4104730"/>
+            <p:cNvPr id="133" name="tx133"/>
+            <p:cNvSpPr/>
+            <p:nvPr/>
+          </p:nvSpPr>
+          <p:spPr>
+            <a:xfrm>
+              <a:off x="5011018" y="3469349"/>
               <a:ext cx="70804" cy="90884"/>
             </a:xfrm>
             <a:prstGeom prst="rect">
@@ -7125,13 +8007,13 @@
         </p:sp>
         <p:sp>
           <p:nvSpPr>
-            <p:cNvPr id="111" name="tx111"/>
-            <p:cNvSpPr/>
-            <p:nvPr/>
-          </p:nvSpPr>
-          <p:spPr>
-            <a:xfrm>
-              <a:off x="5402229" y="4572905"/>
+            <p:cNvPr id="134" name="tx134"/>
+            <p:cNvSpPr/>
+            <p:nvPr/>
+          </p:nvSpPr>
+          <p:spPr>
+            <a:xfrm>
+              <a:off x="5011018" y="3870642"/>
               <a:ext cx="70804" cy="90884"/>
             </a:xfrm>
             <a:prstGeom prst="rect">
@@ -7171,13 +8053,59 @@
         </p:sp>
         <p:sp>
           <p:nvSpPr>
-            <p:cNvPr id="112" name="tx112"/>
-            <p:cNvSpPr/>
-            <p:nvPr/>
-          </p:nvSpPr>
-          <p:spPr>
-            <a:xfrm>
-              <a:off x="5349193" y="5041080"/>
+            <p:cNvPr id="135" name="tx135"/>
+            <p:cNvSpPr/>
+            <p:nvPr/>
+          </p:nvSpPr>
+          <p:spPr>
+            <a:xfrm>
+              <a:off x="5011018" y="4271935"/>
+              <a:ext cx="70804" cy="90884"/>
+            </a:xfrm>
+            <a:prstGeom prst="rect">
+              <a:avLst/>
+            </a:prstGeom>
+            <a:noFill/>
+          </p:spPr>
+          <p:txBody>
+            <a:bodyPr wrap="none" lIns="0" tIns="0" rIns="0" bIns="0" anchor="ctr" anchorCtr="true"/>
+            <a:lstStyle/>
+            <a:p>
+              <a:pPr marL="0" marR="0" indent="0" algn="l">
+                <a:lnSpc>
+                  <a:spcPts val="1100"/>
+                </a:lnSpc>
+                <a:spcBef>
+                  <a:spcPts val="0"/>
+                </a:spcBef>
+                <a:spcAft>
+                  <a:spcPts val="0"/>
+                </a:spcAft>
+              </a:pPr>
+              <a:r>
+                <a:rPr sz="1100">
+                  <a:solidFill>
+                    <a:srgbClr val="000000">
+                      <a:alpha val="100000"/>
+                    </a:srgbClr>
+                  </a:solidFill>
+                  <a:latin typeface="Calibri"/>
+                  <a:cs typeface="Calibri"/>
+                </a:rPr>
+                <a:t>0</a:t>
+              </a:r>
+            </a:p>
+          </p:txBody>
+        </p:sp>
+        <p:sp>
+          <p:nvSpPr>
+            <p:cNvPr id="136" name="tx136"/>
+            <p:cNvSpPr/>
+            <p:nvPr/>
+          </p:nvSpPr>
+          <p:spPr>
+            <a:xfrm>
+              <a:off x="4957983" y="4673228"/>
               <a:ext cx="176876" cy="90884"/>
             </a:xfrm>
             <a:prstGeom prst="rect">
@@ -7217,13 +8145,381 @@
         </p:sp>
         <p:sp>
           <p:nvSpPr>
-            <p:cNvPr id="113" name="tx113"/>
+            <p:cNvPr id="137" name="tx137"/>
+            <p:cNvSpPr/>
+            <p:nvPr/>
+          </p:nvSpPr>
+          <p:spPr>
+            <a:xfrm>
+              <a:off x="5011018" y="5074521"/>
+              <a:ext cx="70804" cy="90884"/>
+            </a:xfrm>
+            <a:prstGeom prst="rect">
+              <a:avLst/>
+            </a:prstGeom>
+            <a:noFill/>
+          </p:spPr>
+          <p:txBody>
+            <a:bodyPr wrap="none" lIns="0" tIns="0" rIns="0" bIns="0" anchor="ctr" anchorCtr="true"/>
+            <a:lstStyle/>
+            <a:p>
+              <a:pPr marL="0" marR="0" indent="0" algn="l">
+                <a:lnSpc>
+                  <a:spcPts val="1100"/>
+                </a:lnSpc>
+                <a:spcBef>
+                  <a:spcPts val="0"/>
+                </a:spcBef>
+                <a:spcAft>
+                  <a:spcPts val="0"/>
+                </a:spcAft>
+              </a:pPr>
+              <a:r>
+                <a:rPr sz="1100">
+                  <a:solidFill>
+                    <a:srgbClr val="000000">
+                      <a:alpha val="100000"/>
+                    </a:srgbClr>
+                  </a:solidFill>
+                  <a:latin typeface="Calibri"/>
+                  <a:cs typeface="Calibri"/>
+                </a:rPr>
+                <a:t>0</a:t>
+              </a:r>
+            </a:p>
+          </p:txBody>
+        </p:sp>
+        <p:sp>
+          <p:nvSpPr>
+            <p:cNvPr id="138" name="tx138"/>
+            <p:cNvSpPr/>
+            <p:nvPr/>
+          </p:nvSpPr>
+          <p:spPr>
+            <a:xfrm>
+              <a:off x="5425241" y="2666764"/>
+              <a:ext cx="70804" cy="90884"/>
+            </a:xfrm>
+            <a:prstGeom prst="rect">
+              <a:avLst/>
+            </a:prstGeom>
+            <a:noFill/>
+          </p:spPr>
+          <p:txBody>
+            <a:bodyPr wrap="none" lIns="0" tIns="0" rIns="0" bIns="0" anchor="ctr" anchorCtr="true"/>
+            <a:lstStyle/>
+            <a:p>
+              <a:pPr marL="0" marR="0" indent="0" algn="l">
+                <a:lnSpc>
+                  <a:spcPts val="1100"/>
+                </a:lnSpc>
+                <a:spcBef>
+                  <a:spcPts val="0"/>
+                </a:spcBef>
+                <a:spcAft>
+                  <a:spcPts val="0"/>
+                </a:spcAft>
+              </a:pPr>
+              <a:r>
+                <a:rPr sz="1100">
+                  <a:solidFill>
+                    <a:srgbClr val="000000">
+                      <a:alpha val="100000"/>
+                    </a:srgbClr>
+                  </a:solidFill>
+                  <a:latin typeface="Calibri"/>
+                  <a:cs typeface="Calibri"/>
+                </a:rPr>
+                <a:t>0</a:t>
+              </a:r>
+            </a:p>
+          </p:txBody>
+        </p:sp>
+        <p:sp>
+          <p:nvSpPr>
+            <p:cNvPr id="139" name="tx139"/>
+            <p:cNvSpPr/>
+            <p:nvPr/>
+          </p:nvSpPr>
+          <p:spPr>
+            <a:xfrm>
+              <a:off x="5425241" y="3068057"/>
+              <a:ext cx="70804" cy="90884"/>
+            </a:xfrm>
+            <a:prstGeom prst="rect">
+              <a:avLst/>
+            </a:prstGeom>
+            <a:noFill/>
+          </p:spPr>
+          <p:txBody>
+            <a:bodyPr wrap="none" lIns="0" tIns="0" rIns="0" bIns="0" anchor="ctr" anchorCtr="true"/>
+            <a:lstStyle/>
+            <a:p>
+              <a:pPr marL="0" marR="0" indent="0" algn="l">
+                <a:lnSpc>
+                  <a:spcPts val="1100"/>
+                </a:lnSpc>
+                <a:spcBef>
+                  <a:spcPts val="0"/>
+                </a:spcBef>
+                <a:spcAft>
+                  <a:spcPts val="0"/>
+                </a:spcAft>
+              </a:pPr>
+              <a:r>
+                <a:rPr sz="1100">
+                  <a:solidFill>
+                    <a:srgbClr val="000000">
+                      <a:alpha val="100000"/>
+                    </a:srgbClr>
+                  </a:solidFill>
+                  <a:latin typeface="Calibri"/>
+                  <a:cs typeface="Calibri"/>
+                </a:rPr>
+                <a:t>0</a:t>
+              </a:r>
+            </a:p>
+          </p:txBody>
+        </p:sp>
+        <p:sp>
+          <p:nvSpPr>
+            <p:cNvPr id="140" name="tx140"/>
+            <p:cNvSpPr/>
+            <p:nvPr/>
+          </p:nvSpPr>
+          <p:spPr>
+            <a:xfrm>
+              <a:off x="5425241" y="3469349"/>
+              <a:ext cx="70804" cy="90884"/>
+            </a:xfrm>
+            <a:prstGeom prst="rect">
+              <a:avLst/>
+            </a:prstGeom>
+            <a:noFill/>
+          </p:spPr>
+          <p:txBody>
+            <a:bodyPr wrap="none" lIns="0" tIns="0" rIns="0" bIns="0" anchor="ctr" anchorCtr="true"/>
+            <a:lstStyle/>
+            <a:p>
+              <a:pPr marL="0" marR="0" indent="0" algn="l">
+                <a:lnSpc>
+                  <a:spcPts val="1100"/>
+                </a:lnSpc>
+                <a:spcBef>
+                  <a:spcPts val="0"/>
+                </a:spcBef>
+                <a:spcAft>
+                  <a:spcPts val="0"/>
+                </a:spcAft>
+              </a:pPr>
+              <a:r>
+                <a:rPr sz="1100">
+                  <a:solidFill>
+                    <a:srgbClr val="000000">
+                      <a:alpha val="100000"/>
+                    </a:srgbClr>
+                  </a:solidFill>
+                  <a:latin typeface="Calibri"/>
+                  <a:cs typeface="Calibri"/>
+                </a:rPr>
+                <a:t>0</a:t>
+              </a:r>
+            </a:p>
+          </p:txBody>
+        </p:sp>
+        <p:sp>
+          <p:nvSpPr>
+            <p:cNvPr id="141" name="tx141"/>
+            <p:cNvSpPr/>
+            <p:nvPr/>
+          </p:nvSpPr>
+          <p:spPr>
+            <a:xfrm>
+              <a:off x="5425241" y="3870642"/>
+              <a:ext cx="70804" cy="90884"/>
+            </a:xfrm>
+            <a:prstGeom prst="rect">
+              <a:avLst/>
+            </a:prstGeom>
+            <a:noFill/>
+          </p:spPr>
+          <p:txBody>
+            <a:bodyPr wrap="none" lIns="0" tIns="0" rIns="0" bIns="0" anchor="ctr" anchorCtr="true"/>
+            <a:lstStyle/>
+            <a:p>
+              <a:pPr marL="0" marR="0" indent="0" algn="l">
+                <a:lnSpc>
+                  <a:spcPts val="1100"/>
+                </a:lnSpc>
+                <a:spcBef>
+                  <a:spcPts val="0"/>
+                </a:spcBef>
+                <a:spcAft>
+                  <a:spcPts val="0"/>
+                </a:spcAft>
+              </a:pPr>
+              <a:r>
+                <a:rPr sz="1100">
+                  <a:solidFill>
+                    <a:srgbClr val="000000">
+                      <a:alpha val="100000"/>
+                    </a:srgbClr>
+                  </a:solidFill>
+                  <a:latin typeface="Calibri"/>
+                  <a:cs typeface="Calibri"/>
+                </a:rPr>
+                <a:t>0</a:t>
+              </a:r>
+            </a:p>
+          </p:txBody>
+        </p:sp>
+        <p:sp>
+          <p:nvSpPr>
+            <p:cNvPr id="142" name="tx142"/>
+            <p:cNvSpPr/>
+            <p:nvPr/>
+          </p:nvSpPr>
+          <p:spPr>
+            <a:xfrm>
+              <a:off x="5425241" y="4271935"/>
+              <a:ext cx="70804" cy="90884"/>
+            </a:xfrm>
+            <a:prstGeom prst="rect">
+              <a:avLst/>
+            </a:prstGeom>
+            <a:noFill/>
+          </p:spPr>
+          <p:txBody>
+            <a:bodyPr wrap="none" lIns="0" tIns="0" rIns="0" bIns="0" anchor="ctr" anchorCtr="true"/>
+            <a:lstStyle/>
+            <a:p>
+              <a:pPr marL="0" marR="0" indent="0" algn="l">
+                <a:lnSpc>
+                  <a:spcPts val="1100"/>
+                </a:lnSpc>
+                <a:spcBef>
+                  <a:spcPts val="0"/>
+                </a:spcBef>
+                <a:spcAft>
+                  <a:spcPts val="0"/>
+                </a:spcAft>
+              </a:pPr>
+              <a:r>
+                <a:rPr sz="1100">
+                  <a:solidFill>
+                    <a:srgbClr val="000000">
+                      <a:alpha val="100000"/>
+                    </a:srgbClr>
+                  </a:solidFill>
+                  <a:latin typeface="Calibri"/>
+                  <a:cs typeface="Calibri"/>
+                </a:rPr>
+                <a:t>0</a:t>
+              </a:r>
+            </a:p>
+          </p:txBody>
+        </p:sp>
+        <p:sp>
+          <p:nvSpPr>
+            <p:cNvPr id="143" name="tx143"/>
+            <p:cNvSpPr/>
+            <p:nvPr/>
+          </p:nvSpPr>
+          <p:spPr>
+            <a:xfrm>
+              <a:off x="5425241" y="4673228"/>
+              <a:ext cx="70804" cy="90884"/>
+            </a:xfrm>
+            <a:prstGeom prst="rect">
+              <a:avLst/>
+            </a:prstGeom>
+            <a:noFill/>
+          </p:spPr>
+          <p:txBody>
+            <a:bodyPr wrap="none" lIns="0" tIns="0" rIns="0" bIns="0" anchor="ctr" anchorCtr="true"/>
+            <a:lstStyle/>
+            <a:p>
+              <a:pPr marL="0" marR="0" indent="0" algn="l">
+                <a:lnSpc>
+                  <a:spcPts val="1100"/>
+                </a:lnSpc>
+                <a:spcBef>
+                  <a:spcPts val="0"/>
+                </a:spcBef>
+                <a:spcAft>
+                  <a:spcPts val="0"/>
+                </a:spcAft>
+              </a:pPr>
+              <a:r>
+                <a:rPr sz="1100">
+                  <a:solidFill>
+                    <a:srgbClr val="000000">
+                      <a:alpha val="100000"/>
+                    </a:srgbClr>
+                  </a:solidFill>
+                  <a:latin typeface="Calibri"/>
+                  <a:cs typeface="Calibri"/>
+                </a:rPr>
+                <a:t>0</a:t>
+              </a:r>
+            </a:p>
+          </p:txBody>
+        </p:sp>
+        <p:sp>
+          <p:nvSpPr>
+            <p:cNvPr id="144" name="tx144"/>
+            <p:cNvSpPr/>
+            <p:nvPr/>
+          </p:nvSpPr>
+          <p:spPr>
+            <a:xfrm>
+              <a:off x="5425241" y="5076902"/>
+              <a:ext cx="70804" cy="88900"/>
+            </a:xfrm>
+            <a:prstGeom prst="rect">
+              <a:avLst/>
+            </a:prstGeom>
+            <a:noFill/>
+          </p:spPr>
+          <p:txBody>
+            <a:bodyPr wrap="none" lIns="0" tIns="0" rIns="0" bIns="0" anchor="ctr" anchorCtr="true"/>
+            <a:lstStyle/>
+            <a:p>
+              <a:pPr marL="0" marR="0" indent="0" algn="l">
+                <a:lnSpc>
+                  <a:spcPts val="1100"/>
+                </a:lnSpc>
+                <a:spcBef>
+                  <a:spcPts val="0"/>
+                </a:spcBef>
+                <a:spcAft>
+                  <a:spcPts val="0"/>
+                </a:spcAft>
+              </a:pPr>
+              <a:r>
+                <a:rPr sz="1100">
+                  <a:solidFill>
+                    <a:srgbClr val="000000">
+                      <a:alpha val="100000"/>
+                    </a:srgbClr>
+                  </a:solidFill>
+                  <a:latin typeface="Calibri"/>
+                  <a:cs typeface="Calibri"/>
+                </a:rPr>
+                <a:t>1</a:t>
+              </a:r>
+            </a:p>
+          </p:txBody>
+        </p:sp>
+        <p:sp>
+          <p:nvSpPr>
+            <p:cNvPr id="145" name="tx145"/>
             <p:cNvSpPr/>
             <p:nvPr/>
           </p:nvSpPr>
           <p:spPr>
             <a:xfrm rot="-5400000">
-              <a:off x="1497173" y="2042682"/>
+              <a:off x="1474161" y="2042682"/>
               <a:ext cx="509209" cy="96043"/>
             </a:xfrm>
             <a:prstGeom prst="rect">
@@ -7263,13 +8559,13 @@
         </p:sp>
         <p:sp>
           <p:nvSpPr>
-            <p:cNvPr id="114" name="tx114"/>
+            <p:cNvPr id="146" name="tx146"/>
             <p:cNvSpPr/>
             <p:nvPr/>
           </p:nvSpPr>
           <p:spPr>
             <a:xfrm rot="-5400000">
-              <a:off x="2044467" y="2129728"/>
+              <a:off x="1975430" y="2129728"/>
               <a:ext cx="334720" cy="96440"/>
             </a:xfrm>
             <a:prstGeom prst="rect">
@@ -7309,13 +8605,13 @@
         </p:sp>
         <p:sp>
           <p:nvSpPr>
-            <p:cNvPr id="115" name="tx115"/>
+            <p:cNvPr id="147" name="tx147"/>
             <p:cNvSpPr/>
             <p:nvPr/>
           </p:nvSpPr>
           <p:spPr>
             <a:xfrm rot="-5400000">
-              <a:off x="2388710" y="2013723"/>
+              <a:off x="2273648" y="2013723"/>
               <a:ext cx="543315" cy="119856"/>
             </a:xfrm>
             <a:prstGeom prst="rect">
@@ -7355,13 +8651,13 @@
         </p:sp>
         <p:sp>
           <p:nvSpPr>
-            <p:cNvPr id="116" name="tx116"/>
+            <p:cNvPr id="148" name="tx148"/>
             <p:cNvSpPr/>
             <p:nvPr/>
           </p:nvSpPr>
           <p:spPr>
             <a:xfrm rot="-5400000">
-              <a:off x="2633780" y="1798545"/>
+              <a:off x="2472694" y="1798545"/>
               <a:ext cx="973670" cy="119856"/>
             </a:xfrm>
             <a:prstGeom prst="rect">
@@ -7401,13 +8697,13 @@
         </p:sp>
         <p:sp>
           <p:nvSpPr>
-            <p:cNvPr id="117" name="tx117"/>
+            <p:cNvPr id="149" name="tx149"/>
             <p:cNvSpPr/>
             <p:nvPr/>
           </p:nvSpPr>
           <p:spPr>
             <a:xfrm rot="-5400000">
-              <a:off x="3049144" y="1753661"/>
+              <a:off x="2842033" y="1753661"/>
               <a:ext cx="1063438" cy="119856"/>
             </a:xfrm>
             <a:prstGeom prst="rect">
@@ -7447,13 +8743,13 @@
         </p:sp>
         <p:sp>
           <p:nvSpPr>
-            <p:cNvPr id="118" name="tx118"/>
+            <p:cNvPr id="150" name="tx150"/>
             <p:cNvSpPr/>
             <p:nvPr/>
           </p:nvSpPr>
           <p:spPr>
             <a:xfrm rot="-5400000">
-              <a:off x="3557702" y="1801971"/>
+              <a:off x="3304566" y="1801971"/>
               <a:ext cx="989837" cy="96837"/>
             </a:xfrm>
             <a:prstGeom prst="rect">
@@ -7493,13 +8789,13 @@
         </p:sp>
         <p:sp>
           <p:nvSpPr>
-            <p:cNvPr id="119" name="tx119"/>
+            <p:cNvPr id="151" name="tx151"/>
             <p:cNvSpPr/>
             <p:nvPr/>
           </p:nvSpPr>
           <p:spPr>
             <a:xfrm rot="-5400000">
-              <a:off x="4274586" y="2058607"/>
+              <a:off x="3975425" y="2058607"/>
               <a:ext cx="453547" cy="119856"/>
             </a:xfrm>
             <a:prstGeom prst="rect">
@@ -7539,13 +8835,13 @@
         </p:sp>
         <p:sp>
           <p:nvSpPr>
-            <p:cNvPr id="120" name="tx120"/>
+            <p:cNvPr id="152" name="tx152"/>
             <p:cNvSpPr/>
             <p:nvPr/>
           </p:nvSpPr>
           <p:spPr>
             <a:xfrm rot="-5400000">
-              <a:off x="4884564" y="2208337"/>
+              <a:off x="4539378" y="2208337"/>
               <a:ext cx="160436" cy="113506"/>
             </a:xfrm>
             <a:prstGeom prst="rect">
@@ -7585,13 +8881,13 @@
         </p:sp>
         <p:sp>
           <p:nvSpPr>
-            <p:cNvPr id="121" name="tx121"/>
+            <p:cNvPr id="153" name="tx153"/>
             <p:cNvSpPr/>
             <p:nvPr/>
           </p:nvSpPr>
           <p:spPr>
             <a:xfrm rot="-5400000">
-              <a:off x="5168110" y="2031635"/>
+              <a:off x="4776899" y="2031635"/>
               <a:ext cx="535471" cy="91876"/>
             </a:xfrm>
             <a:prstGeom prst="rect">
@@ -7631,13 +8927,105 @@
         </p:sp>
         <p:sp>
           <p:nvSpPr>
-            <p:cNvPr id="122" name="tx122"/>
-            <p:cNvSpPr/>
-            <p:nvPr/>
-          </p:nvSpPr>
-          <p:spPr>
-            <a:xfrm>
-              <a:off x="950789" y="5012207"/>
+            <p:cNvPr id="154" name="tx154"/>
+            <p:cNvSpPr/>
+            <p:nvPr/>
+          </p:nvSpPr>
+          <p:spPr>
+            <a:xfrm rot="-5400000">
+              <a:off x="5332887" y="2173400"/>
+              <a:ext cx="252933" cy="90884"/>
+            </a:xfrm>
+            <a:prstGeom prst="rect">
+              <a:avLst/>
+            </a:prstGeom>
+            <a:noFill/>
+          </p:spPr>
+          <p:txBody>
+            <a:bodyPr wrap="none" lIns="0" tIns="0" rIns="0" bIns="0" anchor="ctr" anchorCtr="true"/>
+            <a:lstStyle/>
+            <a:p>
+              <a:pPr marL="0" marR="0" indent="0" algn="l">
+                <a:lnSpc>
+                  <a:spcPts val="1100"/>
+                </a:lnSpc>
+                <a:spcBef>
+                  <a:spcPts val="0"/>
+                </a:spcBef>
+                <a:spcAft>
+                  <a:spcPts val="0"/>
+                </a:spcAft>
+              </a:pPr>
+              <a:r>
+                <a:rPr sz="1100">
+                  <a:solidFill>
+                    <a:srgbClr val="000000">
+                      <a:alpha val="100000"/>
+                    </a:srgbClr>
+                  </a:solidFill>
+                  <a:latin typeface="Calibri"/>
+                  <a:cs typeface="Calibri"/>
+                </a:rPr>
+                <a:t>DOC</a:t>
+              </a:r>
+            </a:p>
+          </p:txBody>
+        </p:sp>
+        <p:sp>
+          <p:nvSpPr>
+            <p:cNvPr id="155" name="tx155"/>
+            <p:cNvSpPr/>
+            <p:nvPr/>
+          </p:nvSpPr>
+          <p:spPr>
+            <a:xfrm>
+              <a:off x="1104950" y="5074620"/>
+              <a:ext cx="252933" cy="90884"/>
+            </a:xfrm>
+            <a:prstGeom prst="rect">
+              <a:avLst/>
+            </a:prstGeom>
+            <a:noFill/>
+          </p:spPr>
+          <p:txBody>
+            <a:bodyPr wrap="none" lIns="0" tIns="0" rIns="0" bIns="0" anchor="ctr" anchorCtr="true"/>
+            <a:lstStyle/>
+            <a:p>
+              <a:pPr marL="0" marR="0" indent="0" algn="l">
+                <a:lnSpc>
+                  <a:spcPts val="1100"/>
+                </a:lnSpc>
+                <a:spcBef>
+                  <a:spcPts val="0"/>
+                </a:spcBef>
+                <a:spcAft>
+                  <a:spcPts val="0"/>
+                </a:spcAft>
+              </a:pPr>
+              <a:r>
+                <a:rPr sz="1100">
+                  <a:solidFill>
+                    <a:srgbClr val="000000">
+                      <a:alpha val="100000"/>
+                    </a:srgbClr>
+                  </a:solidFill>
+                  <a:latin typeface="Calibri"/>
+                  <a:cs typeface="Calibri"/>
+                </a:rPr>
+                <a:t>DOC</a:t>
+              </a:r>
+            </a:p>
+          </p:txBody>
+        </p:sp>
+        <p:sp>
+          <p:nvSpPr>
+            <p:cNvPr id="156" name="tx156"/>
+            <p:cNvSpPr/>
+            <p:nvPr/>
+          </p:nvSpPr>
+          <p:spPr>
+            <a:xfrm>
+              <a:off x="950789" y="4644355"/>
               <a:ext cx="407094" cy="119856"/>
             </a:xfrm>
             <a:prstGeom prst="rect">
@@ -7677,13 +9065,13 @@
         </p:sp>
         <p:sp>
           <p:nvSpPr>
-            <p:cNvPr id="123" name="tx123"/>
-            <p:cNvSpPr/>
-            <p:nvPr/>
-          </p:nvSpPr>
-          <p:spPr>
-            <a:xfrm>
-              <a:off x="670570" y="4567448"/>
+            <p:cNvPr id="157" name="tx157"/>
+            <p:cNvSpPr/>
+            <p:nvPr/>
+          </p:nvSpPr>
+          <p:spPr>
+            <a:xfrm>
+              <a:off x="670570" y="4266478"/>
               <a:ext cx="687313" cy="96440"/>
             </a:xfrm>
             <a:prstGeom prst="rect">
@@ -7723,13 +9111,13 @@
         </p:sp>
         <p:sp>
           <p:nvSpPr>
-            <p:cNvPr id="124" name="tx124"/>
-            <p:cNvSpPr/>
-            <p:nvPr/>
-          </p:nvSpPr>
-          <p:spPr>
-            <a:xfrm>
-              <a:off x="939329" y="4080421"/>
+            <p:cNvPr id="158" name="tx158"/>
+            <p:cNvSpPr/>
+            <p:nvPr/>
+          </p:nvSpPr>
+          <p:spPr>
+            <a:xfrm>
+              <a:off x="939329" y="3846334"/>
               <a:ext cx="418554" cy="115292"/>
             </a:xfrm>
             <a:prstGeom prst="rect">
@@ -7769,13 +9157,13 @@
         </p:sp>
         <p:sp>
           <p:nvSpPr>
-            <p:cNvPr id="125" name="tx125"/>
-            <p:cNvSpPr/>
-            <p:nvPr/>
-          </p:nvSpPr>
-          <p:spPr>
-            <a:xfrm>
-              <a:off x="1066819" y="3631098"/>
+            <p:cNvPr id="159" name="tx159"/>
+            <p:cNvSpPr/>
+            <p:nvPr/>
+          </p:nvSpPr>
+          <p:spPr>
+            <a:xfrm>
+              <a:off x="1066819" y="3463892"/>
               <a:ext cx="291064" cy="96440"/>
             </a:xfrm>
             <a:prstGeom prst="rect">
@@ -7815,13 +9203,13 @@
         </p:sp>
         <p:sp>
           <p:nvSpPr>
-            <p:cNvPr id="126" name="tx126"/>
-            <p:cNvSpPr/>
-            <p:nvPr/>
-          </p:nvSpPr>
-          <p:spPr>
-            <a:xfrm>
-              <a:off x="863476" y="3162923"/>
+            <p:cNvPr id="160" name="tx160"/>
+            <p:cNvSpPr/>
+            <p:nvPr/>
+          </p:nvSpPr>
+          <p:spPr>
+            <a:xfrm>
+              <a:off x="863476" y="3062600"/>
               <a:ext cx="494407" cy="96440"/>
             </a:xfrm>
             <a:prstGeom prst="rect">
@@ -7861,13 +9249,13 @@
         </p:sp>
         <p:sp>
           <p:nvSpPr>
-            <p:cNvPr id="127" name="tx127"/>
-            <p:cNvSpPr/>
-            <p:nvPr/>
-          </p:nvSpPr>
-          <p:spPr>
-            <a:xfrm>
-              <a:off x="837760" y="2675896"/>
+            <p:cNvPr id="161" name="tx161"/>
+            <p:cNvSpPr/>
+            <p:nvPr/>
+          </p:nvSpPr>
+          <p:spPr>
+            <a:xfrm>
+              <a:off x="837760" y="2642455"/>
               <a:ext cx="520123" cy="115292"/>
             </a:xfrm>
             <a:prstGeom prst="rect">
